--- a/11 MS-Windows Programming/MS-Windows Programming.pptx
+++ b/11 MS-Windows Programming/MS-Windows Programming.pptx
@@ -5,11 +5,14 @@
     <p:sldMasterId id="2147483922" r:id="rId1"/>
   </p:sldMasterIdLst>
   <p:notesMasterIdLst>
-    <p:notesMasterId r:id="rId4"/>
+    <p:notesMasterId r:id="rId7"/>
   </p:notesMasterIdLst>
   <p:sldIdLst>
     <p:sldId id="257" r:id="rId2"/>
-    <p:sldId id="296" r:id="rId3"/>
+    <p:sldId id="297" r:id="rId3"/>
+    <p:sldId id="275" r:id="rId4"/>
+    <p:sldId id="298" r:id="rId5"/>
+    <p:sldId id="296" r:id="rId6"/>
   </p:sldIdLst>
   <p:sldSz cx="12192000" cy="6858000"/>
   <p:notesSz cx="6858000" cy="9144000"/>
@@ -116,6 +119,2928 @@
 </p:presentation>
 </file>
 
+<file path=ppt/diagrams/colors1.xml><?xml version="1.0" encoding="utf-8"?>
+<dgm:colorsDef xmlns:dgm="http://schemas.openxmlformats.org/drawingml/2006/diagram" xmlns:a="http://schemas.openxmlformats.org/drawingml/2006/main" uniqueId="urn:microsoft.com/office/officeart/2005/8/colors/accent1_2">
+  <dgm:title val=""/>
+  <dgm:desc val=""/>
+  <dgm:catLst>
+    <dgm:cat type="accent1" pri="11200"/>
+  </dgm:catLst>
+  <dgm:styleLbl name="node0">
+    <dgm:fillClrLst meth="repeat">
+      <a:schemeClr val="accent1"/>
+    </dgm:fillClrLst>
+    <dgm:linClrLst meth="repeat">
+      <a:schemeClr val="lt1"/>
+    </dgm:linClrLst>
+    <dgm:effectClrLst/>
+    <dgm:txLinClrLst/>
+    <dgm:txFillClrLst/>
+    <dgm:txEffectClrLst/>
+  </dgm:styleLbl>
+  <dgm:styleLbl name="alignNode1">
+    <dgm:fillClrLst meth="repeat">
+      <a:schemeClr val="accent1"/>
+    </dgm:fillClrLst>
+    <dgm:linClrLst meth="repeat">
+      <a:schemeClr val="accent1"/>
+    </dgm:linClrLst>
+    <dgm:effectClrLst/>
+    <dgm:txLinClrLst/>
+    <dgm:txFillClrLst/>
+    <dgm:txEffectClrLst/>
+  </dgm:styleLbl>
+  <dgm:styleLbl name="node1">
+    <dgm:fillClrLst meth="repeat">
+      <a:schemeClr val="accent1"/>
+    </dgm:fillClrLst>
+    <dgm:linClrLst meth="repeat">
+      <a:schemeClr val="lt1"/>
+    </dgm:linClrLst>
+    <dgm:effectClrLst/>
+    <dgm:txLinClrLst/>
+    <dgm:txFillClrLst/>
+    <dgm:txEffectClrLst/>
+  </dgm:styleLbl>
+  <dgm:styleLbl name="lnNode1">
+    <dgm:fillClrLst meth="repeat">
+      <a:schemeClr val="accent1"/>
+    </dgm:fillClrLst>
+    <dgm:linClrLst meth="repeat">
+      <a:schemeClr val="lt1"/>
+    </dgm:linClrLst>
+    <dgm:effectClrLst/>
+    <dgm:txLinClrLst/>
+    <dgm:txFillClrLst/>
+    <dgm:txEffectClrLst/>
+  </dgm:styleLbl>
+  <dgm:styleLbl name="vennNode1">
+    <dgm:fillClrLst meth="repeat">
+      <a:schemeClr val="accent1">
+        <a:alpha val="50000"/>
+      </a:schemeClr>
+    </dgm:fillClrLst>
+    <dgm:linClrLst meth="repeat">
+      <a:schemeClr val="lt1"/>
+    </dgm:linClrLst>
+    <dgm:effectClrLst/>
+    <dgm:txLinClrLst/>
+    <dgm:txFillClrLst/>
+    <dgm:txEffectClrLst/>
+  </dgm:styleLbl>
+  <dgm:styleLbl name="node2">
+    <dgm:fillClrLst meth="repeat">
+      <a:schemeClr val="accent1"/>
+    </dgm:fillClrLst>
+    <dgm:linClrLst meth="repeat">
+      <a:schemeClr val="lt1"/>
+    </dgm:linClrLst>
+    <dgm:effectClrLst/>
+    <dgm:txLinClrLst/>
+    <dgm:txFillClrLst/>
+    <dgm:txEffectClrLst/>
+  </dgm:styleLbl>
+  <dgm:styleLbl name="node3">
+    <dgm:fillClrLst meth="repeat">
+      <a:schemeClr val="accent1"/>
+    </dgm:fillClrLst>
+    <dgm:linClrLst meth="repeat">
+      <a:schemeClr val="lt1"/>
+    </dgm:linClrLst>
+    <dgm:effectClrLst/>
+    <dgm:txLinClrLst/>
+    <dgm:txFillClrLst/>
+    <dgm:txEffectClrLst/>
+  </dgm:styleLbl>
+  <dgm:styleLbl name="node4">
+    <dgm:fillClrLst meth="repeat">
+      <a:schemeClr val="accent1"/>
+    </dgm:fillClrLst>
+    <dgm:linClrLst meth="repeat">
+      <a:schemeClr val="lt1"/>
+    </dgm:linClrLst>
+    <dgm:effectClrLst/>
+    <dgm:txLinClrLst/>
+    <dgm:txFillClrLst/>
+    <dgm:txEffectClrLst/>
+  </dgm:styleLbl>
+  <dgm:styleLbl name="fgImgPlace1">
+    <dgm:fillClrLst meth="repeat">
+      <a:schemeClr val="accent1">
+        <a:tint val="50000"/>
+      </a:schemeClr>
+    </dgm:fillClrLst>
+    <dgm:linClrLst meth="repeat">
+      <a:schemeClr val="lt1"/>
+    </dgm:linClrLst>
+    <dgm:effectClrLst/>
+    <dgm:txLinClrLst/>
+    <dgm:txFillClrLst meth="repeat">
+      <a:schemeClr val="lt1"/>
+    </dgm:txFillClrLst>
+    <dgm:txEffectClrLst/>
+  </dgm:styleLbl>
+  <dgm:styleLbl name="alignImgPlace1">
+    <dgm:fillClrLst meth="repeat">
+      <a:schemeClr val="accent1">
+        <a:tint val="50000"/>
+      </a:schemeClr>
+    </dgm:fillClrLst>
+    <dgm:linClrLst meth="repeat">
+      <a:schemeClr val="lt1"/>
+    </dgm:linClrLst>
+    <dgm:effectClrLst/>
+    <dgm:txLinClrLst/>
+    <dgm:txFillClrLst meth="repeat">
+      <a:schemeClr val="lt1"/>
+    </dgm:txFillClrLst>
+    <dgm:txEffectClrLst/>
+  </dgm:styleLbl>
+  <dgm:styleLbl name="bgImgPlace1">
+    <dgm:fillClrLst meth="repeat">
+      <a:schemeClr val="accent1">
+        <a:tint val="50000"/>
+      </a:schemeClr>
+    </dgm:fillClrLst>
+    <dgm:linClrLst meth="repeat">
+      <a:schemeClr val="lt1"/>
+    </dgm:linClrLst>
+    <dgm:effectClrLst/>
+    <dgm:txLinClrLst/>
+    <dgm:txFillClrLst meth="repeat">
+      <a:schemeClr val="lt1"/>
+    </dgm:txFillClrLst>
+    <dgm:txEffectClrLst/>
+  </dgm:styleLbl>
+  <dgm:styleLbl name="sibTrans2D1">
+    <dgm:fillClrLst meth="repeat">
+      <a:schemeClr val="accent1">
+        <a:tint val="60000"/>
+      </a:schemeClr>
+    </dgm:fillClrLst>
+    <dgm:linClrLst meth="repeat">
+      <a:schemeClr val="accent1">
+        <a:tint val="60000"/>
+      </a:schemeClr>
+    </dgm:linClrLst>
+    <dgm:effectClrLst/>
+    <dgm:txLinClrLst/>
+    <dgm:txFillClrLst/>
+    <dgm:txEffectClrLst/>
+  </dgm:styleLbl>
+  <dgm:styleLbl name="fgSibTrans2D1">
+    <dgm:fillClrLst meth="repeat">
+      <a:schemeClr val="accent1">
+        <a:tint val="60000"/>
+      </a:schemeClr>
+    </dgm:fillClrLst>
+    <dgm:linClrLst meth="repeat">
+      <a:schemeClr val="accent1">
+        <a:tint val="60000"/>
+      </a:schemeClr>
+    </dgm:linClrLst>
+    <dgm:effectClrLst/>
+    <dgm:txLinClrLst/>
+    <dgm:txFillClrLst/>
+    <dgm:txEffectClrLst/>
+  </dgm:styleLbl>
+  <dgm:styleLbl name="bgSibTrans2D1">
+    <dgm:fillClrLst meth="repeat">
+      <a:schemeClr val="accent1">
+        <a:tint val="60000"/>
+      </a:schemeClr>
+    </dgm:fillClrLst>
+    <dgm:linClrLst meth="repeat">
+      <a:schemeClr val="accent1">
+        <a:tint val="60000"/>
+      </a:schemeClr>
+    </dgm:linClrLst>
+    <dgm:effectClrLst/>
+    <dgm:txLinClrLst/>
+    <dgm:txFillClrLst/>
+    <dgm:txEffectClrLst/>
+  </dgm:styleLbl>
+  <dgm:styleLbl name="sibTrans1D1">
+    <dgm:fillClrLst meth="repeat">
+      <a:schemeClr val="accent1"/>
+    </dgm:fillClrLst>
+    <dgm:linClrLst meth="repeat">
+      <a:schemeClr val="accent1"/>
+    </dgm:linClrLst>
+    <dgm:effectClrLst/>
+    <dgm:txLinClrLst/>
+    <dgm:txFillClrLst meth="repeat">
+      <a:schemeClr val="tx1"/>
+    </dgm:txFillClrLst>
+    <dgm:txEffectClrLst/>
+  </dgm:styleLbl>
+  <dgm:styleLbl name="callout">
+    <dgm:fillClrLst meth="repeat">
+      <a:schemeClr val="accent1"/>
+    </dgm:fillClrLst>
+    <dgm:linClrLst meth="repeat">
+      <a:schemeClr val="accent1">
+        <a:tint val="50000"/>
+      </a:schemeClr>
+    </dgm:linClrLst>
+    <dgm:effectClrLst/>
+    <dgm:txLinClrLst/>
+    <dgm:txFillClrLst meth="repeat">
+      <a:schemeClr val="tx1"/>
+    </dgm:txFillClrLst>
+    <dgm:txEffectClrLst/>
+  </dgm:styleLbl>
+  <dgm:styleLbl name="asst0">
+    <dgm:fillClrLst meth="repeat">
+      <a:schemeClr val="accent1"/>
+    </dgm:fillClrLst>
+    <dgm:linClrLst meth="repeat">
+      <a:schemeClr val="lt1"/>
+    </dgm:linClrLst>
+    <dgm:effectClrLst/>
+    <dgm:txLinClrLst/>
+    <dgm:txFillClrLst/>
+    <dgm:txEffectClrLst/>
+  </dgm:styleLbl>
+  <dgm:styleLbl name="asst1">
+    <dgm:fillClrLst meth="repeat">
+      <a:schemeClr val="accent1"/>
+    </dgm:fillClrLst>
+    <dgm:linClrLst meth="repeat">
+      <a:schemeClr val="lt1"/>
+    </dgm:linClrLst>
+    <dgm:effectClrLst/>
+    <dgm:txLinClrLst/>
+    <dgm:txFillClrLst/>
+    <dgm:txEffectClrLst/>
+  </dgm:styleLbl>
+  <dgm:styleLbl name="asst2">
+    <dgm:fillClrLst meth="repeat">
+      <a:schemeClr val="accent1"/>
+    </dgm:fillClrLst>
+    <dgm:linClrLst meth="repeat">
+      <a:schemeClr val="lt1"/>
+    </dgm:linClrLst>
+    <dgm:effectClrLst/>
+    <dgm:txLinClrLst/>
+    <dgm:txFillClrLst/>
+    <dgm:txEffectClrLst/>
+  </dgm:styleLbl>
+  <dgm:styleLbl name="asst3">
+    <dgm:fillClrLst meth="repeat">
+      <a:schemeClr val="accent1"/>
+    </dgm:fillClrLst>
+    <dgm:linClrLst meth="repeat">
+      <a:schemeClr val="lt1"/>
+    </dgm:linClrLst>
+    <dgm:effectClrLst/>
+    <dgm:txLinClrLst/>
+    <dgm:txFillClrLst/>
+    <dgm:txEffectClrLst/>
+  </dgm:styleLbl>
+  <dgm:styleLbl name="asst4">
+    <dgm:fillClrLst meth="repeat">
+      <a:schemeClr val="accent1"/>
+    </dgm:fillClrLst>
+    <dgm:linClrLst meth="repeat">
+      <a:schemeClr val="lt1"/>
+    </dgm:linClrLst>
+    <dgm:effectClrLst/>
+    <dgm:txLinClrLst/>
+    <dgm:txFillClrLst/>
+    <dgm:txEffectClrLst/>
+  </dgm:styleLbl>
+  <dgm:styleLbl name="parChTrans2D1">
+    <dgm:fillClrLst meth="repeat">
+      <a:schemeClr val="accent1">
+        <a:tint val="60000"/>
+      </a:schemeClr>
+    </dgm:fillClrLst>
+    <dgm:linClrLst meth="repeat">
+      <a:schemeClr val="accent1">
+        <a:tint val="60000"/>
+      </a:schemeClr>
+    </dgm:linClrLst>
+    <dgm:effectClrLst/>
+    <dgm:txLinClrLst/>
+    <dgm:txFillClrLst meth="repeat">
+      <a:schemeClr val="lt1"/>
+    </dgm:txFillClrLst>
+    <dgm:txEffectClrLst/>
+  </dgm:styleLbl>
+  <dgm:styleLbl name="parChTrans2D2">
+    <dgm:fillClrLst meth="repeat">
+      <a:schemeClr val="accent1"/>
+    </dgm:fillClrLst>
+    <dgm:linClrLst meth="repeat">
+      <a:schemeClr val="accent1"/>
+    </dgm:linClrLst>
+    <dgm:effectClrLst/>
+    <dgm:txLinClrLst/>
+    <dgm:txFillClrLst meth="repeat">
+      <a:schemeClr val="lt1"/>
+    </dgm:txFillClrLst>
+    <dgm:txEffectClrLst/>
+  </dgm:styleLbl>
+  <dgm:styleLbl name="parChTrans2D3">
+    <dgm:fillClrLst meth="repeat">
+      <a:schemeClr val="accent1"/>
+    </dgm:fillClrLst>
+    <dgm:linClrLst meth="repeat">
+      <a:schemeClr val="accent1"/>
+    </dgm:linClrLst>
+    <dgm:effectClrLst/>
+    <dgm:txLinClrLst/>
+    <dgm:txFillClrLst meth="repeat">
+      <a:schemeClr val="lt1"/>
+    </dgm:txFillClrLst>
+    <dgm:txEffectClrLst/>
+  </dgm:styleLbl>
+  <dgm:styleLbl name="parChTrans2D4">
+    <dgm:fillClrLst meth="repeat">
+      <a:schemeClr val="accent1"/>
+    </dgm:fillClrLst>
+    <dgm:linClrLst meth="repeat">
+      <a:schemeClr val="accent1"/>
+    </dgm:linClrLst>
+    <dgm:effectClrLst/>
+    <dgm:txLinClrLst/>
+    <dgm:txFillClrLst meth="repeat">
+      <a:schemeClr val="lt1"/>
+    </dgm:txFillClrLst>
+    <dgm:txEffectClrLst/>
+  </dgm:styleLbl>
+  <dgm:styleLbl name="parChTrans1D1">
+    <dgm:fillClrLst meth="repeat">
+      <a:schemeClr val="accent1"/>
+    </dgm:fillClrLst>
+    <dgm:linClrLst meth="repeat">
+      <a:schemeClr val="accent1">
+        <a:shade val="60000"/>
+      </a:schemeClr>
+    </dgm:linClrLst>
+    <dgm:effectClrLst/>
+    <dgm:txLinClrLst/>
+    <dgm:txFillClrLst meth="repeat">
+      <a:schemeClr val="tx1"/>
+    </dgm:txFillClrLst>
+    <dgm:txEffectClrLst/>
+  </dgm:styleLbl>
+  <dgm:styleLbl name="parChTrans1D2">
+    <dgm:fillClrLst meth="repeat">
+      <a:schemeClr val="accent1"/>
+    </dgm:fillClrLst>
+    <dgm:linClrLst meth="repeat">
+      <a:schemeClr val="accent1">
+        <a:shade val="60000"/>
+      </a:schemeClr>
+    </dgm:linClrLst>
+    <dgm:effectClrLst/>
+    <dgm:txLinClrLst/>
+    <dgm:txFillClrLst meth="repeat">
+      <a:schemeClr val="tx1"/>
+    </dgm:txFillClrLst>
+    <dgm:txEffectClrLst/>
+  </dgm:styleLbl>
+  <dgm:styleLbl name="parChTrans1D3">
+    <dgm:fillClrLst meth="repeat">
+      <a:schemeClr val="accent1"/>
+    </dgm:fillClrLst>
+    <dgm:linClrLst meth="repeat">
+      <a:schemeClr val="accent1">
+        <a:shade val="80000"/>
+      </a:schemeClr>
+    </dgm:linClrLst>
+    <dgm:effectClrLst/>
+    <dgm:txLinClrLst/>
+    <dgm:txFillClrLst meth="repeat">
+      <a:schemeClr val="tx1"/>
+    </dgm:txFillClrLst>
+    <dgm:txEffectClrLst/>
+  </dgm:styleLbl>
+  <dgm:styleLbl name="parChTrans1D4">
+    <dgm:fillClrLst meth="repeat">
+      <a:schemeClr val="accent1"/>
+    </dgm:fillClrLst>
+    <dgm:linClrLst meth="repeat">
+      <a:schemeClr val="accent1">
+        <a:shade val="80000"/>
+      </a:schemeClr>
+    </dgm:linClrLst>
+    <dgm:effectClrLst/>
+    <dgm:txLinClrLst/>
+    <dgm:txFillClrLst meth="repeat">
+      <a:schemeClr val="tx1"/>
+    </dgm:txFillClrLst>
+    <dgm:txEffectClrLst/>
+  </dgm:styleLbl>
+  <dgm:styleLbl name="fgAcc1">
+    <dgm:fillClrLst meth="repeat">
+      <a:schemeClr val="lt1">
+        <a:alpha val="90000"/>
+      </a:schemeClr>
+    </dgm:fillClrLst>
+    <dgm:linClrLst meth="repeat">
+      <a:schemeClr val="accent1"/>
+    </dgm:linClrLst>
+    <dgm:effectClrLst/>
+    <dgm:txLinClrLst/>
+    <dgm:txFillClrLst meth="repeat">
+      <a:schemeClr val="dk1"/>
+    </dgm:txFillClrLst>
+    <dgm:txEffectClrLst/>
+  </dgm:styleLbl>
+  <dgm:styleLbl name="conFgAcc1">
+    <dgm:fillClrLst meth="repeat">
+      <a:schemeClr val="lt1">
+        <a:alpha val="90000"/>
+      </a:schemeClr>
+    </dgm:fillClrLst>
+    <dgm:linClrLst meth="repeat">
+      <a:schemeClr val="accent1"/>
+    </dgm:linClrLst>
+    <dgm:effectClrLst/>
+    <dgm:txLinClrLst/>
+    <dgm:txFillClrLst meth="repeat">
+      <a:schemeClr val="dk1"/>
+    </dgm:txFillClrLst>
+    <dgm:txEffectClrLst/>
+  </dgm:styleLbl>
+  <dgm:styleLbl name="alignAcc1">
+    <dgm:fillClrLst meth="repeat">
+      <a:schemeClr val="lt1">
+        <a:alpha val="90000"/>
+      </a:schemeClr>
+    </dgm:fillClrLst>
+    <dgm:linClrLst meth="repeat">
+      <a:schemeClr val="accent1"/>
+    </dgm:linClrLst>
+    <dgm:effectClrLst/>
+    <dgm:txLinClrLst/>
+    <dgm:txFillClrLst meth="repeat">
+      <a:schemeClr val="dk1"/>
+    </dgm:txFillClrLst>
+    <dgm:txEffectClrLst/>
+  </dgm:styleLbl>
+  <dgm:styleLbl name="trAlignAcc1">
+    <dgm:fillClrLst meth="repeat">
+      <a:schemeClr val="lt1">
+        <a:alpha val="40000"/>
+      </a:schemeClr>
+    </dgm:fillClrLst>
+    <dgm:linClrLst meth="repeat">
+      <a:schemeClr val="accent1"/>
+    </dgm:linClrLst>
+    <dgm:effectClrLst/>
+    <dgm:txLinClrLst/>
+    <dgm:txFillClrLst meth="repeat">
+      <a:schemeClr val="dk1"/>
+    </dgm:txFillClrLst>
+    <dgm:txEffectClrLst/>
+  </dgm:styleLbl>
+  <dgm:styleLbl name="bgAcc1">
+    <dgm:fillClrLst meth="repeat">
+      <a:schemeClr val="lt1">
+        <a:alpha val="90000"/>
+      </a:schemeClr>
+    </dgm:fillClrLst>
+    <dgm:linClrLst meth="repeat">
+      <a:schemeClr val="accent1"/>
+    </dgm:linClrLst>
+    <dgm:effectClrLst/>
+    <dgm:txLinClrLst/>
+    <dgm:txFillClrLst meth="repeat">
+      <a:schemeClr val="dk1"/>
+    </dgm:txFillClrLst>
+    <dgm:txEffectClrLst/>
+  </dgm:styleLbl>
+  <dgm:styleLbl name="solidFgAcc1">
+    <dgm:fillClrLst meth="repeat">
+      <a:schemeClr val="lt1"/>
+    </dgm:fillClrLst>
+    <dgm:linClrLst meth="repeat">
+      <a:schemeClr val="accent1"/>
+    </dgm:linClrLst>
+    <dgm:effectClrLst/>
+    <dgm:txLinClrLst/>
+    <dgm:txFillClrLst meth="repeat">
+      <a:schemeClr val="dk1"/>
+    </dgm:txFillClrLst>
+    <dgm:txEffectClrLst/>
+  </dgm:styleLbl>
+  <dgm:styleLbl name="solidAlignAcc1">
+    <dgm:fillClrLst meth="repeat">
+      <a:schemeClr val="lt1"/>
+    </dgm:fillClrLst>
+    <dgm:linClrLst meth="repeat">
+      <a:schemeClr val="accent1"/>
+    </dgm:linClrLst>
+    <dgm:effectClrLst/>
+    <dgm:txLinClrLst/>
+    <dgm:txFillClrLst meth="repeat">
+      <a:schemeClr val="dk1"/>
+    </dgm:txFillClrLst>
+    <dgm:txEffectClrLst/>
+  </dgm:styleLbl>
+  <dgm:styleLbl name="solidBgAcc1">
+    <dgm:fillClrLst meth="repeat">
+      <a:schemeClr val="lt1"/>
+    </dgm:fillClrLst>
+    <dgm:linClrLst meth="repeat">
+      <a:schemeClr val="accent1"/>
+    </dgm:linClrLst>
+    <dgm:effectClrLst/>
+    <dgm:txLinClrLst/>
+    <dgm:txFillClrLst meth="repeat">
+      <a:schemeClr val="dk1"/>
+    </dgm:txFillClrLst>
+    <dgm:txEffectClrLst/>
+  </dgm:styleLbl>
+  <dgm:styleLbl name="fgAccFollowNode1">
+    <dgm:fillClrLst meth="repeat">
+      <a:schemeClr val="accent1">
+        <a:alpha val="90000"/>
+        <a:tint val="40000"/>
+      </a:schemeClr>
+    </dgm:fillClrLst>
+    <dgm:linClrLst meth="repeat">
+      <a:schemeClr val="accent1">
+        <a:alpha val="90000"/>
+        <a:tint val="40000"/>
+      </a:schemeClr>
+    </dgm:linClrLst>
+    <dgm:effectClrLst/>
+    <dgm:txLinClrLst/>
+    <dgm:txFillClrLst meth="repeat">
+      <a:schemeClr val="dk1"/>
+    </dgm:txFillClrLst>
+    <dgm:txEffectClrLst/>
+  </dgm:styleLbl>
+  <dgm:styleLbl name="alignAccFollowNode1">
+    <dgm:fillClrLst meth="repeat">
+      <a:schemeClr val="accent1">
+        <a:alpha val="90000"/>
+        <a:tint val="40000"/>
+      </a:schemeClr>
+    </dgm:fillClrLst>
+    <dgm:linClrLst meth="repeat">
+      <a:schemeClr val="accent1">
+        <a:alpha val="90000"/>
+        <a:tint val="40000"/>
+      </a:schemeClr>
+    </dgm:linClrLst>
+    <dgm:effectClrLst/>
+    <dgm:txLinClrLst/>
+    <dgm:txFillClrLst meth="repeat">
+      <a:schemeClr val="dk1"/>
+    </dgm:txFillClrLst>
+    <dgm:txEffectClrLst/>
+  </dgm:styleLbl>
+  <dgm:styleLbl name="bgAccFollowNode1">
+    <dgm:fillClrLst meth="repeat">
+      <a:schemeClr val="accent1">
+        <a:alpha val="90000"/>
+        <a:tint val="40000"/>
+      </a:schemeClr>
+    </dgm:fillClrLst>
+    <dgm:linClrLst meth="repeat">
+      <a:schemeClr val="accent1">
+        <a:alpha val="90000"/>
+        <a:tint val="40000"/>
+      </a:schemeClr>
+    </dgm:linClrLst>
+    <dgm:effectClrLst/>
+    <dgm:txLinClrLst/>
+    <dgm:txFillClrLst meth="repeat">
+      <a:schemeClr val="dk1"/>
+    </dgm:txFillClrLst>
+    <dgm:txEffectClrLst/>
+  </dgm:styleLbl>
+  <dgm:styleLbl name="fgAcc0">
+    <dgm:fillClrLst meth="repeat">
+      <a:schemeClr val="lt1">
+        <a:alpha val="90000"/>
+      </a:schemeClr>
+    </dgm:fillClrLst>
+    <dgm:linClrLst meth="repeat">
+      <a:schemeClr val="accent1"/>
+    </dgm:linClrLst>
+    <dgm:effectClrLst/>
+    <dgm:txLinClrLst/>
+    <dgm:txFillClrLst meth="repeat">
+      <a:schemeClr val="dk1"/>
+    </dgm:txFillClrLst>
+    <dgm:txEffectClrLst/>
+  </dgm:styleLbl>
+  <dgm:styleLbl name="fgAcc2">
+    <dgm:fillClrLst meth="repeat">
+      <a:schemeClr val="lt1">
+        <a:alpha val="90000"/>
+      </a:schemeClr>
+    </dgm:fillClrLst>
+    <dgm:linClrLst meth="repeat">
+      <a:schemeClr val="accent1"/>
+    </dgm:linClrLst>
+    <dgm:effectClrLst/>
+    <dgm:txLinClrLst/>
+    <dgm:txFillClrLst meth="repeat">
+      <a:schemeClr val="dk1"/>
+    </dgm:txFillClrLst>
+    <dgm:txEffectClrLst/>
+  </dgm:styleLbl>
+  <dgm:styleLbl name="fgAcc3">
+    <dgm:fillClrLst meth="repeat">
+      <a:schemeClr val="lt1">
+        <a:alpha val="90000"/>
+      </a:schemeClr>
+    </dgm:fillClrLst>
+    <dgm:linClrLst meth="repeat">
+      <a:schemeClr val="accent1"/>
+    </dgm:linClrLst>
+    <dgm:effectClrLst/>
+    <dgm:txLinClrLst/>
+    <dgm:txFillClrLst meth="repeat">
+      <a:schemeClr val="dk1"/>
+    </dgm:txFillClrLst>
+    <dgm:txEffectClrLst/>
+  </dgm:styleLbl>
+  <dgm:styleLbl name="fgAcc4">
+    <dgm:fillClrLst meth="repeat">
+      <a:schemeClr val="lt1">
+        <a:alpha val="90000"/>
+      </a:schemeClr>
+    </dgm:fillClrLst>
+    <dgm:linClrLst meth="repeat">
+      <a:schemeClr val="accent1"/>
+    </dgm:linClrLst>
+    <dgm:effectClrLst/>
+    <dgm:txLinClrLst/>
+    <dgm:txFillClrLst meth="repeat">
+      <a:schemeClr val="dk1"/>
+    </dgm:txFillClrLst>
+    <dgm:txEffectClrLst/>
+  </dgm:styleLbl>
+  <dgm:styleLbl name="bgShp">
+    <dgm:fillClrLst meth="repeat">
+      <a:schemeClr val="accent1">
+        <a:tint val="40000"/>
+      </a:schemeClr>
+    </dgm:fillClrLst>
+    <dgm:linClrLst meth="repeat">
+      <a:schemeClr val="accent1"/>
+    </dgm:linClrLst>
+    <dgm:effectClrLst/>
+    <dgm:txLinClrLst/>
+    <dgm:txFillClrLst meth="repeat">
+      <a:schemeClr val="dk1"/>
+    </dgm:txFillClrLst>
+    <dgm:txEffectClrLst/>
+  </dgm:styleLbl>
+  <dgm:styleLbl name="dkBgShp">
+    <dgm:fillClrLst meth="repeat">
+      <a:schemeClr val="accent1">
+        <a:shade val="80000"/>
+      </a:schemeClr>
+    </dgm:fillClrLst>
+    <dgm:linClrLst meth="repeat">
+      <a:schemeClr val="accent1"/>
+    </dgm:linClrLst>
+    <dgm:effectClrLst/>
+    <dgm:txLinClrLst/>
+    <dgm:txFillClrLst meth="repeat">
+      <a:schemeClr val="lt1"/>
+    </dgm:txFillClrLst>
+    <dgm:txEffectClrLst/>
+  </dgm:styleLbl>
+  <dgm:styleLbl name="trBgShp">
+    <dgm:fillClrLst meth="repeat">
+      <a:schemeClr val="accent1">
+        <a:tint val="50000"/>
+        <a:alpha val="40000"/>
+      </a:schemeClr>
+    </dgm:fillClrLst>
+    <dgm:linClrLst meth="repeat">
+      <a:schemeClr val="accent1"/>
+    </dgm:linClrLst>
+    <dgm:effectClrLst/>
+    <dgm:txLinClrLst/>
+    <dgm:txFillClrLst meth="repeat">
+      <a:schemeClr val="lt1"/>
+    </dgm:txFillClrLst>
+    <dgm:txEffectClrLst/>
+  </dgm:styleLbl>
+  <dgm:styleLbl name="fgShp">
+    <dgm:fillClrLst meth="repeat">
+      <a:schemeClr val="accent1">
+        <a:tint val="60000"/>
+      </a:schemeClr>
+    </dgm:fillClrLst>
+    <dgm:linClrLst meth="repeat">
+      <a:schemeClr val="lt1"/>
+    </dgm:linClrLst>
+    <dgm:effectClrLst/>
+    <dgm:txLinClrLst/>
+    <dgm:txFillClrLst meth="repeat">
+      <a:schemeClr val="dk1"/>
+    </dgm:txFillClrLst>
+    <dgm:txEffectClrLst/>
+  </dgm:styleLbl>
+  <dgm:styleLbl name="revTx">
+    <dgm:fillClrLst meth="repeat">
+      <a:schemeClr val="lt1">
+        <a:alpha val="0"/>
+      </a:schemeClr>
+    </dgm:fillClrLst>
+    <dgm:linClrLst meth="repeat">
+      <a:schemeClr val="dk1">
+        <a:alpha val="0"/>
+      </a:schemeClr>
+    </dgm:linClrLst>
+    <dgm:effectClrLst/>
+    <dgm:txLinClrLst/>
+    <dgm:txFillClrLst meth="repeat">
+      <a:schemeClr val="tx1"/>
+    </dgm:txFillClrLst>
+    <dgm:txEffectClrLst/>
+  </dgm:styleLbl>
+</dgm:colorsDef>
+</file>
+
+<file path=ppt/diagrams/data1.xml><?xml version="1.0" encoding="utf-8"?>
+<dgm:dataModel xmlns:dgm="http://schemas.openxmlformats.org/drawingml/2006/diagram" xmlns:a="http://schemas.openxmlformats.org/drawingml/2006/main">
+  <dgm:ptLst>
+    <dgm:pt modelId="{B83E6278-D43A-433A-9216-2C9C5D536701}" type="doc">
+      <dgm:prSet loTypeId="urn:microsoft.com/office/officeart/2005/8/layout/architecture" loCatId="hierarchy" qsTypeId="urn:microsoft.com/office/officeart/2005/8/quickstyle/simple1" qsCatId="simple" csTypeId="urn:microsoft.com/office/officeart/2005/8/colors/accent1_2" csCatId="accent1" phldr="1"/>
+      <dgm:spPr/>
+      <dgm:t>
+        <a:bodyPr/>
+        <a:lstStyle/>
+        <a:p>
+          <a:endParaRPr lang="en-US"/>
+        </a:p>
+      </dgm:t>
+    </dgm:pt>
+    <dgm:pt modelId="{C5E0C07E-6B44-461F-9410-907A37C6BD63}">
+      <dgm:prSet phldrT="[Text]" custT="1"/>
+      <dgm:spPr/>
+      <dgm:t>
+        <a:bodyPr/>
+        <a:lstStyle/>
+        <a:p>
+          <a:pPr algn="ctr"/>
+          <a:r>
+            <a:rPr lang="en-US" sz="4000" dirty="0"/>
+            <a:t>HARDWARE</a:t>
+          </a:r>
+        </a:p>
+      </dgm:t>
+    </dgm:pt>
+    <dgm:pt modelId="{2A9CF1B8-1E31-4A33-80E8-E72424B892EB}" type="parTrans" cxnId="{899CB150-8D60-4984-9329-B25924A7F6FA}">
+      <dgm:prSet/>
+      <dgm:spPr/>
+      <dgm:t>
+        <a:bodyPr/>
+        <a:lstStyle/>
+        <a:p>
+          <a:endParaRPr lang="en-US"/>
+        </a:p>
+      </dgm:t>
+    </dgm:pt>
+    <dgm:pt modelId="{42DCD36B-E1D2-48C4-B8EC-3D6F3D6FE564}" type="sibTrans" cxnId="{899CB150-8D60-4984-9329-B25924A7F6FA}">
+      <dgm:prSet/>
+      <dgm:spPr/>
+      <dgm:t>
+        <a:bodyPr/>
+        <a:lstStyle/>
+        <a:p>
+          <a:endParaRPr lang="en-US"/>
+        </a:p>
+      </dgm:t>
+    </dgm:pt>
+    <dgm:pt modelId="{638C32D7-3B90-470E-82B7-A9D2CB2B9F72}">
+      <dgm:prSet phldrT="[Text]" custT="1"/>
+      <dgm:spPr/>
+      <dgm:t>
+        <a:bodyPr/>
+        <a:lstStyle/>
+        <a:p>
+          <a:pPr algn="ctr"/>
+          <a:r>
+            <a:rPr lang="en-US" sz="4000" dirty="0"/>
+            <a:t>APPLICATION</a:t>
+          </a:r>
+        </a:p>
+      </dgm:t>
+    </dgm:pt>
+    <dgm:pt modelId="{1F3297BA-55CE-46F2-B723-C82CD91C4ECC}" type="sibTrans" cxnId="{06E68B5E-B62B-409C-906D-4F46AE8EEAD9}">
+      <dgm:prSet/>
+      <dgm:spPr/>
+      <dgm:t>
+        <a:bodyPr/>
+        <a:lstStyle/>
+        <a:p>
+          <a:endParaRPr lang="en-US"/>
+        </a:p>
+      </dgm:t>
+    </dgm:pt>
+    <dgm:pt modelId="{980C9722-926F-47EE-99C0-D4C637AF4476}" type="parTrans" cxnId="{06E68B5E-B62B-409C-906D-4F46AE8EEAD9}">
+      <dgm:prSet/>
+      <dgm:spPr/>
+      <dgm:t>
+        <a:bodyPr/>
+        <a:lstStyle/>
+        <a:p>
+          <a:endParaRPr lang="en-US"/>
+        </a:p>
+      </dgm:t>
+    </dgm:pt>
+    <dgm:pt modelId="{A0869A96-7980-4784-997B-F031D1066B61}">
+      <dgm:prSet phldrT="[Text]" custT="1"/>
+      <dgm:spPr/>
+      <dgm:t>
+        <a:bodyPr/>
+        <a:lstStyle/>
+        <a:p>
+          <a:pPr algn="ctr"/>
+          <a:r>
+            <a:rPr lang="en-US" sz="4000" dirty="0"/>
+            <a:t>OS</a:t>
+          </a:r>
+        </a:p>
+      </dgm:t>
+    </dgm:pt>
+    <dgm:pt modelId="{9DC36B73-615F-4774-A627-06DEC9C3897E}" type="sibTrans" cxnId="{202BFCA2-EA9E-4726-8B49-685CFA1873E6}">
+      <dgm:prSet/>
+      <dgm:spPr/>
+      <dgm:t>
+        <a:bodyPr/>
+        <a:lstStyle/>
+        <a:p>
+          <a:endParaRPr lang="en-US"/>
+        </a:p>
+      </dgm:t>
+    </dgm:pt>
+    <dgm:pt modelId="{F7B21C36-A163-49BA-90CF-01945047B86E}" type="parTrans" cxnId="{202BFCA2-EA9E-4726-8B49-685CFA1873E6}">
+      <dgm:prSet/>
+      <dgm:spPr/>
+      <dgm:t>
+        <a:bodyPr/>
+        <a:lstStyle/>
+        <a:p>
+          <a:endParaRPr lang="en-US"/>
+        </a:p>
+      </dgm:t>
+    </dgm:pt>
+    <dgm:pt modelId="{48D425ED-595D-489D-A3EE-624324AEFB92}">
+      <dgm:prSet phldrT="[Text]" custT="1"/>
+      <dgm:spPr>
+        <a:solidFill>
+          <a:srgbClr val="00B050"/>
+        </a:solidFill>
+      </dgm:spPr>
+      <dgm:t>
+        <a:bodyPr/>
+        <a:lstStyle/>
+        <a:p>
+          <a:pPr algn="ctr"/>
+          <a:r>
+            <a:rPr lang="en-US" sz="4000" dirty="0"/>
+            <a:t>HAL</a:t>
+          </a:r>
+        </a:p>
+      </dgm:t>
+    </dgm:pt>
+    <dgm:pt modelId="{825B4907-310A-4AD1-8A08-3EC901969DF2}" type="sibTrans" cxnId="{74B4887F-D255-4AF2-8763-6A8E1A3AEFF6}">
+      <dgm:prSet/>
+      <dgm:spPr/>
+      <dgm:t>
+        <a:bodyPr/>
+        <a:lstStyle/>
+        <a:p>
+          <a:endParaRPr lang="en-US"/>
+        </a:p>
+      </dgm:t>
+    </dgm:pt>
+    <dgm:pt modelId="{C5DC016A-2397-425B-924D-D494C80F0A97}" type="parTrans" cxnId="{74B4887F-D255-4AF2-8763-6A8E1A3AEFF6}">
+      <dgm:prSet/>
+      <dgm:spPr/>
+      <dgm:t>
+        <a:bodyPr/>
+        <a:lstStyle/>
+        <a:p>
+          <a:endParaRPr lang="en-US"/>
+        </a:p>
+      </dgm:t>
+    </dgm:pt>
+    <dgm:pt modelId="{35848855-63D9-42FD-82E1-43EF241AD8AB}" type="pres">
+      <dgm:prSet presAssocID="{B83E6278-D43A-433A-9216-2C9C5D536701}" presName="Name0" presStyleCnt="0">
+        <dgm:presLayoutVars>
+          <dgm:chPref val="1"/>
+          <dgm:dir/>
+          <dgm:animOne val="branch"/>
+          <dgm:animLvl val="lvl"/>
+          <dgm:resizeHandles/>
+        </dgm:presLayoutVars>
+      </dgm:prSet>
+      <dgm:spPr/>
+    </dgm:pt>
+    <dgm:pt modelId="{94D412E7-2729-4062-AFEC-E6204783992A}" type="pres">
+      <dgm:prSet presAssocID="{638C32D7-3B90-470E-82B7-A9D2CB2B9F72}" presName="vertOne" presStyleCnt="0"/>
+      <dgm:spPr/>
+    </dgm:pt>
+    <dgm:pt modelId="{30C261F2-6F36-4124-949E-8517DD49AE60}" type="pres">
+      <dgm:prSet presAssocID="{638C32D7-3B90-470E-82B7-A9D2CB2B9F72}" presName="txOne" presStyleLbl="node0" presStyleIdx="0" presStyleCnt="1" custScaleX="95346" custLinFactY="-300000" custLinFactNeighborX="147" custLinFactNeighborY="-300934">
+        <dgm:presLayoutVars>
+          <dgm:chPref val="3"/>
+        </dgm:presLayoutVars>
+      </dgm:prSet>
+      <dgm:spPr/>
+    </dgm:pt>
+    <dgm:pt modelId="{D9935B23-0397-4AB1-8512-285B0F7A3A50}" type="pres">
+      <dgm:prSet presAssocID="{638C32D7-3B90-470E-82B7-A9D2CB2B9F72}" presName="parTransOne" presStyleCnt="0"/>
+      <dgm:spPr/>
+    </dgm:pt>
+    <dgm:pt modelId="{3561AAB2-DE3F-44D1-8FE7-1176F0F3CDCB}" type="pres">
+      <dgm:prSet presAssocID="{638C32D7-3B90-470E-82B7-A9D2CB2B9F72}" presName="horzOne" presStyleCnt="0"/>
+      <dgm:spPr/>
+    </dgm:pt>
+    <dgm:pt modelId="{905E36FF-CE75-406A-97C8-6840C6E10AEB}" type="pres">
+      <dgm:prSet presAssocID="{A0869A96-7980-4784-997B-F031D1066B61}" presName="vertTwo" presStyleCnt="0"/>
+      <dgm:spPr/>
+    </dgm:pt>
+    <dgm:pt modelId="{47B79002-663A-41C7-8C80-94A51B17A57A}" type="pres">
+      <dgm:prSet presAssocID="{A0869A96-7980-4784-997B-F031D1066B61}" presName="txTwo" presStyleLbl="node2" presStyleIdx="0" presStyleCnt="1" custScaleX="95219" custScaleY="175947" custLinFactY="-21449" custLinFactNeighborX="333" custLinFactNeighborY="-100000">
+        <dgm:presLayoutVars>
+          <dgm:chPref val="3"/>
+        </dgm:presLayoutVars>
+      </dgm:prSet>
+      <dgm:spPr/>
+    </dgm:pt>
+    <dgm:pt modelId="{E3337021-1ABA-40B4-9CA4-087FC79E7AF3}" type="pres">
+      <dgm:prSet presAssocID="{A0869A96-7980-4784-997B-F031D1066B61}" presName="parTransTwo" presStyleCnt="0"/>
+      <dgm:spPr/>
+    </dgm:pt>
+    <dgm:pt modelId="{A8ED495C-C1BB-4079-A54E-F8208C0437B0}" type="pres">
+      <dgm:prSet presAssocID="{A0869A96-7980-4784-997B-F031D1066B61}" presName="horzTwo" presStyleCnt="0"/>
+      <dgm:spPr/>
+    </dgm:pt>
+    <dgm:pt modelId="{70C6110E-A6A7-4011-806B-C41F76207D26}" type="pres">
+      <dgm:prSet presAssocID="{48D425ED-595D-489D-A3EE-624324AEFB92}" presName="vertThree" presStyleCnt="0"/>
+      <dgm:spPr/>
+    </dgm:pt>
+    <dgm:pt modelId="{3E42B49C-588F-452D-8232-54B89D68D821}" type="pres">
+      <dgm:prSet presAssocID="{48D425ED-595D-489D-A3EE-624324AEFB92}" presName="txThree" presStyleLbl="node3" presStyleIdx="0" presStyleCnt="1" custScaleX="56750" custScaleY="33959" custLinFactY="125905" custLinFactNeighborX="248" custLinFactNeighborY="200000">
+        <dgm:presLayoutVars>
+          <dgm:chPref val="3"/>
+        </dgm:presLayoutVars>
+      </dgm:prSet>
+      <dgm:spPr/>
+    </dgm:pt>
+    <dgm:pt modelId="{44FA7764-B951-4C5D-B249-B17627F91FD3}" type="pres">
+      <dgm:prSet presAssocID="{48D425ED-595D-489D-A3EE-624324AEFB92}" presName="parTransThree" presStyleCnt="0"/>
+      <dgm:spPr/>
+    </dgm:pt>
+    <dgm:pt modelId="{4E93B1F2-CE0F-4471-8424-40008E71D23B}" type="pres">
+      <dgm:prSet presAssocID="{48D425ED-595D-489D-A3EE-624324AEFB92}" presName="horzThree" presStyleCnt="0"/>
+      <dgm:spPr/>
+    </dgm:pt>
+    <dgm:pt modelId="{F6C17B47-DA20-4132-9011-C432CEFFA176}" type="pres">
+      <dgm:prSet presAssocID="{C5E0C07E-6B44-461F-9410-907A37C6BD63}" presName="vertFour" presStyleCnt="0">
+        <dgm:presLayoutVars>
+          <dgm:chPref val="3"/>
+        </dgm:presLayoutVars>
+      </dgm:prSet>
+      <dgm:spPr/>
+    </dgm:pt>
+    <dgm:pt modelId="{573B7A62-D653-4474-AE31-F7CCED9C4281}" type="pres">
+      <dgm:prSet presAssocID="{C5E0C07E-6B44-461F-9410-907A37C6BD63}" presName="txFour" presStyleLbl="node4" presStyleIdx="0" presStyleCnt="1" custScaleX="95365" custScaleY="113753" custLinFactY="117387" custLinFactNeighborX="113" custLinFactNeighborY="200000">
+        <dgm:presLayoutVars>
+          <dgm:chPref val="3"/>
+        </dgm:presLayoutVars>
+      </dgm:prSet>
+      <dgm:spPr/>
+    </dgm:pt>
+    <dgm:pt modelId="{BFB249EE-CDD0-4CF6-BFD0-B7F2B114410B}" type="pres">
+      <dgm:prSet presAssocID="{C5E0C07E-6B44-461F-9410-907A37C6BD63}" presName="horzFour" presStyleCnt="0"/>
+      <dgm:spPr/>
+    </dgm:pt>
+  </dgm:ptLst>
+  <dgm:cxnLst>
+    <dgm:cxn modelId="{4F951D24-585E-49F2-AFCB-62DF5FA6D17A}" type="presOf" srcId="{A0869A96-7980-4784-997B-F031D1066B61}" destId="{47B79002-663A-41C7-8C80-94A51B17A57A}" srcOrd="0" destOrd="0" presId="urn:microsoft.com/office/officeart/2005/8/layout/architecture"/>
+    <dgm:cxn modelId="{DB1D885C-DDB1-4AA3-825F-E50550D00FCA}" type="presOf" srcId="{48D425ED-595D-489D-A3EE-624324AEFB92}" destId="{3E42B49C-588F-452D-8232-54B89D68D821}" srcOrd="0" destOrd="0" presId="urn:microsoft.com/office/officeart/2005/8/layout/architecture"/>
+    <dgm:cxn modelId="{06E68B5E-B62B-409C-906D-4F46AE8EEAD9}" srcId="{B83E6278-D43A-433A-9216-2C9C5D536701}" destId="{638C32D7-3B90-470E-82B7-A9D2CB2B9F72}" srcOrd="0" destOrd="0" parTransId="{980C9722-926F-47EE-99C0-D4C637AF4476}" sibTransId="{1F3297BA-55CE-46F2-B723-C82CD91C4ECC}"/>
+    <dgm:cxn modelId="{899CB150-8D60-4984-9329-B25924A7F6FA}" srcId="{48D425ED-595D-489D-A3EE-624324AEFB92}" destId="{C5E0C07E-6B44-461F-9410-907A37C6BD63}" srcOrd="0" destOrd="0" parTransId="{2A9CF1B8-1E31-4A33-80E8-E72424B892EB}" sibTransId="{42DCD36B-E1D2-48C4-B8EC-3D6F3D6FE564}"/>
+    <dgm:cxn modelId="{74B4887F-D255-4AF2-8763-6A8E1A3AEFF6}" srcId="{A0869A96-7980-4784-997B-F031D1066B61}" destId="{48D425ED-595D-489D-A3EE-624324AEFB92}" srcOrd="0" destOrd="0" parTransId="{C5DC016A-2397-425B-924D-D494C80F0A97}" sibTransId="{825B4907-310A-4AD1-8A08-3EC901969DF2}"/>
+    <dgm:cxn modelId="{5D645E88-9D56-4705-A99A-73C3DFB9D923}" type="presOf" srcId="{C5E0C07E-6B44-461F-9410-907A37C6BD63}" destId="{573B7A62-D653-4474-AE31-F7CCED9C4281}" srcOrd="0" destOrd="0" presId="urn:microsoft.com/office/officeart/2005/8/layout/architecture"/>
+    <dgm:cxn modelId="{202BFCA2-EA9E-4726-8B49-685CFA1873E6}" srcId="{638C32D7-3B90-470E-82B7-A9D2CB2B9F72}" destId="{A0869A96-7980-4784-997B-F031D1066B61}" srcOrd="0" destOrd="0" parTransId="{F7B21C36-A163-49BA-90CF-01945047B86E}" sibTransId="{9DC36B73-615F-4774-A627-06DEC9C3897E}"/>
+    <dgm:cxn modelId="{FA5FC6CD-0965-4B7C-8C5F-2396D3981B83}" type="presOf" srcId="{638C32D7-3B90-470E-82B7-A9D2CB2B9F72}" destId="{30C261F2-6F36-4124-949E-8517DD49AE60}" srcOrd="0" destOrd="0" presId="urn:microsoft.com/office/officeart/2005/8/layout/architecture"/>
+    <dgm:cxn modelId="{4FF66BDA-92A9-4037-B3E5-B061526397DE}" type="presOf" srcId="{B83E6278-D43A-433A-9216-2C9C5D536701}" destId="{35848855-63D9-42FD-82E1-43EF241AD8AB}" srcOrd="0" destOrd="0" presId="urn:microsoft.com/office/officeart/2005/8/layout/architecture"/>
+    <dgm:cxn modelId="{38CC4F0D-0810-475A-9A72-E94D4F226526}" type="presParOf" srcId="{35848855-63D9-42FD-82E1-43EF241AD8AB}" destId="{94D412E7-2729-4062-AFEC-E6204783992A}" srcOrd="0" destOrd="0" presId="urn:microsoft.com/office/officeart/2005/8/layout/architecture"/>
+    <dgm:cxn modelId="{6378B647-D530-4980-B21F-9C45A4BF993A}" type="presParOf" srcId="{94D412E7-2729-4062-AFEC-E6204783992A}" destId="{30C261F2-6F36-4124-949E-8517DD49AE60}" srcOrd="0" destOrd="0" presId="urn:microsoft.com/office/officeart/2005/8/layout/architecture"/>
+    <dgm:cxn modelId="{E545EE7C-046B-4358-BEDA-BDDDFF5C71D8}" type="presParOf" srcId="{94D412E7-2729-4062-AFEC-E6204783992A}" destId="{D9935B23-0397-4AB1-8512-285B0F7A3A50}" srcOrd="1" destOrd="0" presId="urn:microsoft.com/office/officeart/2005/8/layout/architecture"/>
+    <dgm:cxn modelId="{A1419238-DD77-47A0-8052-6EDDE5918435}" type="presParOf" srcId="{94D412E7-2729-4062-AFEC-E6204783992A}" destId="{3561AAB2-DE3F-44D1-8FE7-1176F0F3CDCB}" srcOrd="2" destOrd="0" presId="urn:microsoft.com/office/officeart/2005/8/layout/architecture"/>
+    <dgm:cxn modelId="{19CC4709-0388-4441-9B2D-C6B43B50827C}" type="presParOf" srcId="{3561AAB2-DE3F-44D1-8FE7-1176F0F3CDCB}" destId="{905E36FF-CE75-406A-97C8-6840C6E10AEB}" srcOrd="0" destOrd="0" presId="urn:microsoft.com/office/officeart/2005/8/layout/architecture"/>
+    <dgm:cxn modelId="{91BB5AB4-7A79-44DE-B7FE-43404734C51E}" type="presParOf" srcId="{905E36FF-CE75-406A-97C8-6840C6E10AEB}" destId="{47B79002-663A-41C7-8C80-94A51B17A57A}" srcOrd="0" destOrd="0" presId="urn:microsoft.com/office/officeart/2005/8/layout/architecture"/>
+    <dgm:cxn modelId="{EC76DBF9-4D4B-4F28-9431-9B4EF45527FC}" type="presParOf" srcId="{905E36FF-CE75-406A-97C8-6840C6E10AEB}" destId="{E3337021-1ABA-40B4-9CA4-087FC79E7AF3}" srcOrd="1" destOrd="0" presId="urn:microsoft.com/office/officeart/2005/8/layout/architecture"/>
+    <dgm:cxn modelId="{88BD730E-6CD0-4E44-91C0-18945BA813D1}" type="presParOf" srcId="{905E36FF-CE75-406A-97C8-6840C6E10AEB}" destId="{A8ED495C-C1BB-4079-A54E-F8208C0437B0}" srcOrd="2" destOrd="0" presId="urn:microsoft.com/office/officeart/2005/8/layout/architecture"/>
+    <dgm:cxn modelId="{15F0A8A3-5F2A-4795-B22C-8336D71ED289}" type="presParOf" srcId="{A8ED495C-C1BB-4079-A54E-F8208C0437B0}" destId="{70C6110E-A6A7-4011-806B-C41F76207D26}" srcOrd="0" destOrd="0" presId="urn:microsoft.com/office/officeart/2005/8/layout/architecture"/>
+    <dgm:cxn modelId="{240241E7-120A-4A81-90B0-F0434AC2DE2F}" type="presParOf" srcId="{70C6110E-A6A7-4011-806B-C41F76207D26}" destId="{3E42B49C-588F-452D-8232-54B89D68D821}" srcOrd="0" destOrd="0" presId="urn:microsoft.com/office/officeart/2005/8/layout/architecture"/>
+    <dgm:cxn modelId="{C6151386-7096-4F4F-8477-48D870AFFB2B}" type="presParOf" srcId="{70C6110E-A6A7-4011-806B-C41F76207D26}" destId="{44FA7764-B951-4C5D-B249-B17627F91FD3}" srcOrd="1" destOrd="0" presId="urn:microsoft.com/office/officeart/2005/8/layout/architecture"/>
+    <dgm:cxn modelId="{2686A494-4EED-4ABF-8F47-DEA6D23DE261}" type="presParOf" srcId="{70C6110E-A6A7-4011-806B-C41F76207D26}" destId="{4E93B1F2-CE0F-4471-8424-40008E71D23B}" srcOrd="2" destOrd="0" presId="urn:microsoft.com/office/officeart/2005/8/layout/architecture"/>
+    <dgm:cxn modelId="{658E7F36-A4A7-4FF3-872D-EF2E4A8E2FEE}" type="presParOf" srcId="{4E93B1F2-CE0F-4471-8424-40008E71D23B}" destId="{F6C17B47-DA20-4132-9011-C432CEFFA176}" srcOrd="0" destOrd="0" presId="urn:microsoft.com/office/officeart/2005/8/layout/architecture"/>
+    <dgm:cxn modelId="{9ED40EBA-BD20-4021-A708-6EC39958EAA8}" type="presParOf" srcId="{F6C17B47-DA20-4132-9011-C432CEFFA176}" destId="{573B7A62-D653-4474-AE31-F7CCED9C4281}" srcOrd="0" destOrd="0" presId="urn:microsoft.com/office/officeart/2005/8/layout/architecture"/>
+    <dgm:cxn modelId="{F5C35CD5-A1BF-48AC-80BE-C73074780D09}" type="presParOf" srcId="{F6C17B47-DA20-4132-9011-C432CEFFA176}" destId="{BFB249EE-CDD0-4CF6-BFD0-B7F2B114410B}" srcOrd="1" destOrd="0" presId="urn:microsoft.com/office/officeart/2005/8/layout/architecture"/>
+  </dgm:cxnLst>
+  <dgm:bg/>
+  <dgm:whole/>
+  <dgm:extLst>
+    <a:ext uri="http://schemas.microsoft.com/office/drawing/2008/diagram">
+      <dsp:dataModelExt xmlns:dsp="http://schemas.microsoft.com/office/drawing/2008/diagram" relId="rId7" minVer="http://schemas.openxmlformats.org/drawingml/2006/diagram"/>
+    </a:ext>
+  </dgm:extLst>
+</dgm:dataModel>
+</file>
+
+<file path=ppt/diagrams/drawing1.xml><?xml version="1.0" encoding="utf-8"?>
+<dsp:drawing xmlns:dgm="http://schemas.openxmlformats.org/drawingml/2006/diagram" xmlns:dsp="http://schemas.microsoft.com/office/drawing/2008/diagram" xmlns:a="http://schemas.openxmlformats.org/drawingml/2006/main">
+  <dsp:spTree>
+    <dsp:nvGrpSpPr>
+      <dsp:cNvPr id="0" name=""/>
+      <dsp:cNvGrpSpPr/>
+    </dsp:nvGrpSpPr>
+    <dsp:grpSpPr/>
+    <dsp:sp modelId="{30C261F2-6F36-4124-949E-8517DD49AE60}">
+      <dsp:nvSpPr>
+        <dsp:cNvPr id="0" name=""/>
+        <dsp:cNvSpPr/>
+      </dsp:nvSpPr>
+      <dsp:spPr>
+        <a:xfrm>
+          <a:off x="197143" y="358419"/>
+          <a:ext cx="7450568" cy="1516260"/>
+        </a:xfrm>
+        <a:prstGeom prst="roundRect">
+          <a:avLst>
+            <a:gd name="adj" fmla="val 10000"/>
+          </a:avLst>
+        </a:prstGeom>
+        <a:solidFill>
+          <a:schemeClr val="accent1">
+            <a:hueOff val="0"/>
+            <a:satOff val="0"/>
+            <a:lumOff val="0"/>
+            <a:alphaOff val="0"/>
+          </a:schemeClr>
+        </a:solidFill>
+        <a:ln w="15875" cap="flat" cmpd="sng" algn="ctr">
+          <a:solidFill>
+            <a:schemeClr val="lt1">
+              <a:hueOff val="0"/>
+              <a:satOff val="0"/>
+              <a:lumOff val="0"/>
+              <a:alphaOff val="0"/>
+            </a:schemeClr>
+          </a:solidFill>
+          <a:prstDash val="solid"/>
+        </a:ln>
+        <a:effectLst/>
+      </dsp:spPr>
+      <dsp:style>
+        <a:lnRef idx="2">
+          <a:scrgbClr r="0" g="0" b="0"/>
+        </a:lnRef>
+        <a:fillRef idx="1">
+          <a:scrgbClr r="0" g="0" b="0"/>
+        </a:fillRef>
+        <a:effectRef idx="0">
+          <a:scrgbClr r="0" g="0" b="0"/>
+        </a:effectRef>
+        <a:fontRef idx="minor">
+          <a:schemeClr val="lt1"/>
+        </a:fontRef>
+      </dsp:style>
+      <dsp:txBody>
+        <a:bodyPr spcFirstLastPara="0" vert="horz" wrap="square" lIns="152400" tIns="152400" rIns="152400" bIns="152400" numCol="1" spcCol="1270" anchor="ctr" anchorCtr="0">
+          <a:noAutofit/>
+        </a:bodyPr>
+        <a:lstStyle/>
+        <a:p>
+          <a:pPr marL="0" lvl="0" indent="0" algn="ctr" defTabSz="1778000">
+            <a:lnSpc>
+              <a:spcPct val="90000"/>
+            </a:lnSpc>
+            <a:spcBef>
+              <a:spcPct val="0"/>
+            </a:spcBef>
+            <a:spcAft>
+              <a:spcPct val="35000"/>
+            </a:spcAft>
+            <a:buNone/>
+          </a:pPr>
+          <a:r>
+            <a:rPr lang="en-US" sz="4000" kern="1200" dirty="0"/>
+            <a:t>APPLICATION</a:t>
+          </a:r>
+        </a:p>
+      </dsp:txBody>
+      <dsp:txXfrm>
+        <a:off x="241553" y="402829"/>
+        <a:ext cx="7361748" cy="1427440"/>
+      </dsp:txXfrm>
+    </dsp:sp>
+    <dsp:sp modelId="{47B79002-663A-41C7-8C80-94A51B17A57A}">
+      <dsp:nvSpPr>
+        <dsp:cNvPr id="0" name=""/>
+        <dsp:cNvSpPr/>
+      </dsp:nvSpPr>
+      <dsp:spPr>
+        <a:xfrm>
+          <a:off x="223852" y="2013899"/>
+          <a:ext cx="7426119" cy="2667815"/>
+        </a:xfrm>
+        <a:prstGeom prst="roundRect">
+          <a:avLst>
+            <a:gd name="adj" fmla="val 10000"/>
+          </a:avLst>
+        </a:prstGeom>
+        <a:solidFill>
+          <a:schemeClr val="accent1">
+            <a:hueOff val="0"/>
+            <a:satOff val="0"/>
+            <a:lumOff val="0"/>
+            <a:alphaOff val="0"/>
+          </a:schemeClr>
+        </a:solidFill>
+        <a:ln w="15875" cap="flat" cmpd="sng" algn="ctr">
+          <a:solidFill>
+            <a:schemeClr val="lt1">
+              <a:hueOff val="0"/>
+              <a:satOff val="0"/>
+              <a:lumOff val="0"/>
+              <a:alphaOff val="0"/>
+            </a:schemeClr>
+          </a:solidFill>
+          <a:prstDash val="solid"/>
+        </a:ln>
+        <a:effectLst/>
+      </dsp:spPr>
+      <dsp:style>
+        <a:lnRef idx="2">
+          <a:scrgbClr r="0" g="0" b="0"/>
+        </a:lnRef>
+        <a:fillRef idx="1">
+          <a:scrgbClr r="0" g="0" b="0"/>
+        </a:fillRef>
+        <a:effectRef idx="0">
+          <a:scrgbClr r="0" g="0" b="0"/>
+        </a:effectRef>
+        <a:fontRef idx="minor">
+          <a:schemeClr val="lt1"/>
+        </a:fontRef>
+      </dsp:style>
+      <dsp:txBody>
+        <a:bodyPr spcFirstLastPara="0" vert="horz" wrap="square" lIns="152400" tIns="152400" rIns="152400" bIns="152400" numCol="1" spcCol="1270" anchor="ctr" anchorCtr="0">
+          <a:noAutofit/>
+        </a:bodyPr>
+        <a:lstStyle/>
+        <a:p>
+          <a:pPr marL="0" lvl="0" indent="0" algn="ctr" defTabSz="1778000">
+            <a:lnSpc>
+              <a:spcPct val="90000"/>
+            </a:lnSpc>
+            <a:spcBef>
+              <a:spcPct val="0"/>
+            </a:spcBef>
+            <a:spcAft>
+              <a:spcPct val="35000"/>
+            </a:spcAft>
+            <a:buNone/>
+          </a:pPr>
+          <a:r>
+            <a:rPr lang="en-US" sz="4000" kern="1200" dirty="0"/>
+            <a:t>OS</a:t>
+          </a:r>
+        </a:p>
+      </dsp:txBody>
+      <dsp:txXfrm>
+        <a:off x="301990" y="2092037"/>
+        <a:ext cx="7269843" cy="2511539"/>
+      </dsp:txXfrm>
+    </dsp:sp>
+    <dsp:sp modelId="{3E42B49C-588F-452D-8232-54B89D68D821}">
+      <dsp:nvSpPr>
+        <dsp:cNvPr id="0" name=""/>
+        <dsp:cNvSpPr/>
+      </dsp:nvSpPr>
+      <dsp:spPr>
+        <a:xfrm>
+          <a:off x="1725875" y="3930888"/>
+          <a:ext cx="4408662" cy="514907"/>
+        </a:xfrm>
+        <a:prstGeom prst="roundRect">
+          <a:avLst>
+            <a:gd name="adj" fmla="val 10000"/>
+          </a:avLst>
+        </a:prstGeom>
+        <a:solidFill>
+          <a:srgbClr val="00B050"/>
+        </a:solidFill>
+        <a:ln w="15875" cap="flat" cmpd="sng" algn="ctr">
+          <a:solidFill>
+            <a:schemeClr val="lt1">
+              <a:hueOff val="0"/>
+              <a:satOff val="0"/>
+              <a:lumOff val="0"/>
+              <a:alphaOff val="0"/>
+            </a:schemeClr>
+          </a:solidFill>
+          <a:prstDash val="solid"/>
+        </a:ln>
+        <a:effectLst/>
+      </dsp:spPr>
+      <dsp:style>
+        <a:lnRef idx="2">
+          <a:scrgbClr r="0" g="0" b="0"/>
+        </a:lnRef>
+        <a:fillRef idx="1">
+          <a:scrgbClr r="0" g="0" b="0"/>
+        </a:fillRef>
+        <a:effectRef idx="0">
+          <a:scrgbClr r="0" g="0" b="0"/>
+        </a:effectRef>
+        <a:fontRef idx="minor">
+          <a:schemeClr val="lt1"/>
+        </a:fontRef>
+      </dsp:style>
+      <dsp:txBody>
+        <a:bodyPr spcFirstLastPara="0" vert="horz" wrap="square" lIns="152400" tIns="152400" rIns="152400" bIns="152400" numCol="1" spcCol="1270" anchor="ctr" anchorCtr="0">
+          <a:noAutofit/>
+        </a:bodyPr>
+        <a:lstStyle/>
+        <a:p>
+          <a:pPr marL="0" lvl="0" indent="0" algn="ctr" defTabSz="1778000">
+            <a:lnSpc>
+              <a:spcPct val="90000"/>
+            </a:lnSpc>
+            <a:spcBef>
+              <a:spcPct val="0"/>
+            </a:spcBef>
+            <a:spcAft>
+              <a:spcPct val="35000"/>
+            </a:spcAft>
+            <a:buNone/>
+          </a:pPr>
+          <a:r>
+            <a:rPr lang="en-US" sz="4000" kern="1200" dirty="0"/>
+            <a:t>HAL</a:t>
+          </a:r>
+        </a:p>
+      </dsp:txBody>
+      <dsp:txXfrm>
+        <a:off x="1740956" y="3945969"/>
+        <a:ext cx="4378500" cy="484745"/>
+      </dsp:txXfrm>
+    </dsp:sp>
+    <dsp:sp modelId="{573B7A62-D653-4474-AE31-F7CCED9C4281}">
+      <dsp:nvSpPr>
+        <dsp:cNvPr id="0" name=""/>
+        <dsp:cNvSpPr/>
+      </dsp:nvSpPr>
+      <dsp:spPr>
+        <a:xfrm>
+          <a:off x="244244" y="4813025"/>
+          <a:ext cx="7350813" cy="1724792"/>
+        </a:xfrm>
+        <a:prstGeom prst="roundRect">
+          <a:avLst>
+            <a:gd name="adj" fmla="val 10000"/>
+          </a:avLst>
+        </a:prstGeom>
+        <a:solidFill>
+          <a:schemeClr val="accent1">
+            <a:hueOff val="0"/>
+            <a:satOff val="0"/>
+            <a:lumOff val="0"/>
+            <a:alphaOff val="0"/>
+          </a:schemeClr>
+        </a:solidFill>
+        <a:ln w="15875" cap="flat" cmpd="sng" algn="ctr">
+          <a:solidFill>
+            <a:schemeClr val="lt1">
+              <a:hueOff val="0"/>
+              <a:satOff val="0"/>
+              <a:lumOff val="0"/>
+              <a:alphaOff val="0"/>
+            </a:schemeClr>
+          </a:solidFill>
+          <a:prstDash val="solid"/>
+        </a:ln>
+        <a:effectLst/>
+      </dsp:spPr>
+      <dsp:style>
+        <a:lnRef idx="2">
+          <a:scrgbClr r="0" g="0" b="0"/>
+        </a:lnRef>
+        <a:fillRef idx="1">
+          <a:scrgbClr r="0" g="0" b="0"/>
+        </a:fillRef>
+        <a:effectRef idx="0">
+          <a:scrgbClr r="0" g="0" b="0"/>
+        </a:effectRef>
+        <a:fontRef idx="minor">
+          <a:schemeClr val="lt1"/>
+        </a:fontRef>
+      </dsp:style>
+      <dsp:txBody>
+        <a:bodyPr spcFirstLastPara="0" vert="horz" wrap="square" lIns="152400" tIns="152400" rIns="152400" bIns="152400" numCol="1" spcCol="1270" anchor="ctr" anchorCtr="0">
+          <a:noAutofit/>
+        </a:bodyPr>
+        <a:lstStyle/>
+        <a:p>
+          <a:pPr marL="0" lvl="0" indent="0" algn="ctr" defTabSz="1778000">
+            <a:lnSpc>
+              <a:spcPct val="90000"/>
+            </a:lnSpc>
+            <a:spcBef>
+              <a:spcPct val="0"/>
+            </a:spcBef>
+            <a:spcAft>
+              <a:spcPct val="35000"/>
+            </a:spcAft>
+            <a:buNone/>
+          </a:pPr>
+          <a:r>
+            <a:rPr lang="en-US" sz="4000" kern="1200" dirty="0"/>
+            <a:t>HARDWARE</a:t>
+          </a:r>
+        </a:p>
+      </dsp:txBody>
+      <dsp:txXfrm>
+        <a:off x="294761" y="4863542"/>
+        <a:ext cx="7249779" cy="1623758"/>
+      </dsp:txXfrm>
+    </dsp:sp>
+  </dsp:spTree>
+</dsp:drawing>
+</file>
+
+<file path=ppt/diagrams/layout1.xml><?xml version="1.0" encoding="utf-8"?>
+<dgm:layoutDef xmlns:dgm="http://schemas.openxmlformats.org/drawingml/2006/diagram" xmlns:a="http://schemas.openxmlformats.org/drawingml/2006/main" uniqueId="urn:microsoft.com/office/officeart/2005/8/layout/architecture">
+  <dgm:title val="Architecture Layout"/>
+  <dgm:desc val="Use to show hierarchical relationships that build from the bottom up. This layout works well for showing architectural components or objects that build on other objects."/>
+  <dgm:catLst>
+    <dgm:cat type="hierarchy" pri="4500"/>
+    <dgm:cat type="list" pri="24500"/>
+    <dgm:cat type="relationship" pri="10500"/>
+    <dgm:cat type="officeonline" pri="7000"/>
+  </dgm:catLst>
+  <dgm:sampData>
+    <dgm:dataModel>
+      <dgm:ptLst>
+        <dgm:pt modelId="0" type="doc"/>
+        <dgm:pt modelId="1">
+          <dgm:prSet phldr="1"/>
+        </dgm:pt>
+        <dgm:pt modelId="2">
+          <dgm:prSet phldr="1"/>
+        </dgm:pt>
+        <dgm:pt modelId="21">
+          <dgm:prSet phldr="1"/>
+        </dgm:pt>
+        <dgm:pt modelId="22">
+          <dgm:prSet phldr="1"/>
+        </dgm:pt>
+        <dgm:pt modelId="3">
+          <dgm:prSet phldr="1"/>
+        </dgm:pt>
+        <dgm:pt modelId="31">
+          <dgm:prSet phldr="1"/>
+        </dgm:pt>
+      </dgm:ptLst>
+      <dgm:cxnLst>
+        <dgm:cxn modelId="4" srcId="0" destId="1" srcOrd="0" destOrd="0"/>
+        <dgm:cxn modelId="5" srcId="1" destId="2" srcOrd="0" destOrd="0"/>
+        <dgm:cxn modelId="6" srcId="1" destId="3" srcOrd="1" destOrd="0"/>
+        <dgm:cxn modelId="23" srcId="2" destId="21" srcOrd="0" destOrd="0"/>
+        <dgm:cxn modelId="24" srcId="2" destId="22" srcOrd="1" destOrd="0"/>
+        <dgm:cxn modelId="33" srcId="3" destId="31" srcOrd="0" destOrd="0"/>
+      </dgm:cxnLst>
+      <dgm:bg/>
+      <dgm:whole/>
+    </dgm:dataModel>
+  </dgm:sampData>
+  <dgm:styleData>
+    <dgm:dataModel>
+      <dgm:ptLst>
+        <dgm:pt modelId="0" type="doc"/>
+        <dgm:pt modelId="1"/>
+        <dgm:pt modelId="11"/>
+        <dgm:pt modelId="12"/>
+      </dgm:ptLst>
+      <dgm:cxnLst>
+        <dgm:cxn modelId="2" srcId="0" destId="1" srcOrd="0" destOrd="0"/>
+        <dgm:cxn modelId="13" srcId="1" destId="11" srcOrd="0" destOrd="0"/>
+        <dgm:cxn modelId="14" srcId="1" destId="12" srcOrd="1" destOrd="0"/>
+      </dgm:cxnLst>
+      <dgm:bg/>
+      <dgm:whole/>
+    </dgm:dataModel>
+  </dgm:styleData>
+  <dgm:clrData>
+    <dgm:dataModel>
+      <dgm:ptLst>
+        <dgm:pt modelId="0" type="doc"/>
+        <dgm:pt modelId="1"/>
+        <dgm:pt modelId="2"/>
+        <dgm:pt modelId="21"/>
+        <dgm:pt modelId="211"/>
+        <dgm:pt modelId="3"/>
+        <dgm:pt modelId="31"/>
+        <dgm:pt modelId="311"/>
+      </dgm:ptLst>
+      <dgm:cxnLst>
+        <dgm:cxn modelId="4" srcId="0" destId="1" srcOrd="0" destOrd="0"/>
+        <dgm:cxn modelId="5" srcId="1" destId="2" srcOrd="0" destOrd="0"/>
+        <dgm:cxn modelId="6" srcId="1" destId="3" srcOrd="1" destOrd="0"/>
+        <dgm:cxn modelId="23" srcId="2" destId="21" srcOrd="0" destOrd="0"/>
+        <dgm:cxn modelId="24" srcId="21" destId="211" srcOrd="0" destOrd="0"/>
+        <dgm:cxn modelId="33" srcId="3" destId="31" srcOrd="0" destOrd="0"/>
+        <dgm:cxn modelId="34" srcId="31" destId="311" srcOrd="0" destOrd="0"/>
+      </dgm:cxnLst>
+      <dgm:bg/>
+      <dgm:whole/>
+    </dgm:dataModel>
+  </dgm:clrData>
+  <dgm:layoutNode name="Name0">
+    <dgm:varLst>
+      <dgm:chPref val="1"/>
+      <dgm:dir/>
+      <dgm:animOne val="branch"/>
+      <dgm:animLvl val="lvl"/>
+      <dgm:resizeHandles/>
+    </dgm:varLst>
+    <dgm:choose name="Name1">
+      <dgm:if name="Name2" func="var" arg="dir" op="equ" val="norm">
+        <dgm:alg type="lin">
+          <dgm:param type="linDir" val="fromL"/>
+          <dgm:param type="nodeVertAlign" val="b"/>
+        </dgm:alg>
+      </dgm:if>
+      <dgm:else name="Name3">
+        <dgm:alg type="lin">
+          <dgm:param type="linDir" val="fromR"/>
+          <dgm:param type="nodeVertAlign" val="b"/>
+        </dgm:alg>
+      </dgm:else>
+    </dgm:choose>
+    <dgm:shape xmlns:r="http://schemas.openxmlformats.org/officeDocument/2006/relationships" r:blip="">
+      <dgm:adjLst/>
+    </dgm:shape>
+    <dgm:presOf/>
+    <dgm:constrLst>
+      <dgm:constr type="w" for="ch" forName="vertOne" refType="w"/>
+      <dgm:constr type="w" for="des" forName="horzOne" refType="w"/>
+      <dgm:constr type="w" for="des" forName="txOne" refType="w"/>
+      <dgm:constr type="w" for="des" forName="vertTwo" refType="w"/>
+      <dgm:constr type="w" for="des" forName="horzTwo" refType="w"/>
+      <dgm:constr type="w" for="des" forName="txTwo" refType="w"/>
+      <dgm:constr type="w" for="des" forName="vertThree" refType="w"/>
+      <dgm:constr type="w" for="des" forName="horzThree" refType="w"/>
+      <dgm:constr type="w" for="des" forName="txThree" refType="w"/>
+      <dgm:constr type="w" for="des" forName="vertFour" refType="w"/>
+      <dgm:constr type="w" for="des" forName="horzFour" refType="w"/>
+      <dgm:constr type="w" for="des" forName="txFour" refType="w"/>
+      <dgm:constr type="h" for="des" ptType="node" op="equ"/>
+      <dgm:constr type="h" for="des" forName="txOne" refType="h"/>
+      <dgm:constr type="userH" for="des" ptType="node" refType="h" refFor="des" refForName="txOne"/>
+      <dgm:constr type="primFontSz" for="des" forName="txOne" val="65"/>
+      <dgm:constr type="primFontSz" for="des" forName="txTwo" val="65"/>
+      <dgm:constr type="primFontSz" for="des" forName="txTwo" refType="primFontSz" refFor="des" refForName="txOne" op="lte"/>
+      <dgm:constr type="primFontSz" for="des" forName="txThree" val="65"/>
+      <dgm:constr type="primFontSz" for="des" forName="txThree" refType="primFontSz" refFor="des" refForName="txOne" op="lte"/>
+      <dgm:constr type="primFontSz" for="des" forName="txThree" refType="primFontSz" refFor="des" refForName="txTwo" op="lte"/>
+      <dgm:constr type="primFontSz" for="des" forName="txFour" val="65"/>
+      <dgm:constr type="primFontSz" for="des" forName="txFour" refType="primFontSz" refFor="des" refForName="txOne" op="lte"/>
+      <dgm:constr type="primFontSz" for="des" forName="txFour" refType="primFontSz" refFor="des" refForName="txTwo" op="lte"/>
+      <dgm:constr type="primFontSz" for="des" forName="txFour" refType="primFontSz" refFor="des" refForName="txThree" op="lte"/>
+      <dgm:constr type="w" for="des" forName="sibSpaceOne" refType="w" fact="0.168"/>
+      <dgm:constr type="w" for="des" forName="sibSpaceTwo" refType="w" refFor="des" refForName="sibSpaceOne" op="equ" fact="0.5"/>
+      <dgm:constr type="w" for="des" forName="sibSpaceThree" refType="w" refFor="des" refForName="sibSpaceTwo" op="equ" fact="0.5"/>
+      <dgm:constr type="w" for="des" forName="sibSpaceFour" refType="w" refFor="des" refForName="sibSpaceThree" op="equ" fact="0.5"/>
+      <dgm:constr type="h" for="des" forName="parTransOne" refType="w" fact="0.056"/>
+      <dgm:constr type="h" for="des" forName="parTransTwo" refType="h" refFor="des" refForName="parTransOne" op="equ"/>
+      <dgm:constr type="h" for="des" forName="parTransThree" refType="h" refFor="des" refForName="parTransTwo" op="equ"/>
+      <dgm:constr type="h" for="des" forName="parTransFour" refType="h" refFor="des" refForName="parTransThree" op="equ"/>
+    </dgm:constrLst>
+    <dgm:ruleLst/>
+    <dgm:forEach name="Name4" axis="ch" ptType="node">
+      <dgm:layoutNode name="vertOne">
+        <dgm:alg type="lin">
+          <dgm:param type="linDir" val="fromB"/>
+        </dgm:alg>
+        <dgm:shape xmlns:r="http://schemas.openxmlformats.org/officeDocument/2006/relationships" r:blip="">
+          <dgm:adjLst/>
+        </dgm:shape>
+        <dgm:presOf/>
+        <dgm:constrLst>
+          <dgm:constr type="w" for="ch" forName="txOne" refType="w" refFor="ch" refForName="horzOne" op="gte"/>
+        </dgm:constrLst>
+        <dgm:ruleLst/>
+        <dgm:layoutNode name="txOne" styleLbl="node0">
+          <dgm:varLst>
+            <dgm:chPref val="3"/>
+          </dgm:varLst>
+          <dgm:alg type="tx"/>
+          <dgm:shape xmlns:r="http://schemas.openxmlformats.org/officeDocument/2006/relationships" type="roundRect" r:blip="">
+            <dgm:adjLst>
+              <dgm:adj idx="1" val="0.1"/>
+            </dgm:adjLst>
+          </dgm:shape>
+          <dgm:presOf axis="self"/>
+          <dgm:constrLst>
+            <dgm:constr type="tMarg" refType="primFontSz" fact="0.3"/>
+            <dgm:constr type="bMarg" refType="primFontSz" fact="0.3"/>
+            <dgm:constr type="lMarg" refType="primFontSz" fact="0.3"/>
+            <dgm:constr type="rMarg" refType="primFontSz" fact="0.3"/>
+          </dgm:constrLst>
+          <dgm:ruleLst>
+            <dgm:rule type="primFontSz" val="5" fact="NaN" max="NaN"/>
+          </dgm:ruleLst>
+        </dgm:layoutNode>
+        <dgm:choose name="Name5">
+          <dgm:if name="Name6" axis="des" ptType="node" func="cnt" op="gt" val="0">
+            <dgm:layoutNode name="parTransOne">
+              <dgm:alg type="sp"/>
+              <dgm:shape xmlns:r="http://schemas.openxmlformats.org/officeDocument/2006/relationships" r:blip="">
+                <dgm:adjLst/>
+              </dgm:shape>
+              <dgm:presOf/>
+              <dgm:constrLst/>
+              <dgm:ruleLst/>
+            </dgm:layoutNode>
+          </dgm:if>
+          <dgm:else name="Name7"/>
+        </dgm:choose>
+        <dgm:layoutNode name="horzOne">
+          <dgm:choose name="Name8">
+            <dgm:if name="Name9" func="var" arg="dir" op="equ" val="norm">
+              <dgm:alg type="lin">
+                <dgm:param type="linDir" val="fromL"/>
+                <dgm:param type="nodeVertAlign" val="b"/>
+              </dgm:alg>
+            </dgm:if>
+            <dgm:else name="Name10">
+              <dgm:alg type="lin">
+                <dgm:param type="linDir" val="fromR"/>
+                <dgm:param type="nodeVertAlign" val="b"/>
+              </dgm:alg>
+            </dgm:else>
+          </dgm:choose>
+          <dgm:shape xmlns:r="http://schemas.openxmlformats.org/officeDocument/2006/relationships" r:blip="">
+            <dgm:adjLst/>
+          </dgm:shape>
+          <dgm:presOf/>
+          <dgm:constrLst/>
+          <dgm:ruleLst>
+            <dgm:rule type="w" val="INF" fact="NaN" max="NaN"/>
+          </dgm:ruleLst>
+          <dgm:forEach name="Name11" axis="ch" ptType="node">
+            <dgm:layoutNode name="vertTwo">
+              <dgm:alg type="lin">
+                <dgm:param type="linDir" val="fromB"/>
+              </dgm:alg>
+              <dgm:shape xmlns:r="http://schemas.openxmlformats.org/officeDocument/2006/relationships" r:blip="">
+                <dgm:adjLst/>
+              </dgm:shape>
+              <dgm:presOf/>
+              <dgm:constrLst>
+                <dgm:constr type="w" for="ch" forName="txTwo" refType="w" refFor="ch" refForName="horzTwo" op="gte"/>
+              </dgm:constrLst>
+              <dgm:ruleLst/>
+              <dgm:layoutNode name="txTwo">
+                <dgm:varLst>
+                  <dgm:chPref val="3"/>
+                </dgm:varLst>
+                <dgm:alg type="tx"/>
+                <dgm:shape xmlns:r="http://schemas.openxmlformats.org/officeDocument/2006/relationships" type="roundRect" r:blip="">
+                  <dgm:adjLst>
+                    <dgm:adj idx="1" val="0.1"/>
+                  </dgm:adjLst>
+                </dgm:shape>
+                <dgm:presOf axis="self"/>
+                <dgm:constrLst>
+                  <dgm:constr type="userH"/>
+                  <dgm:constr type="h" refType="userH"/>
+                  <dgm:constr type="tMarg" refType="primFontSz" fact="0.3"/>
+                  <dgm:constr type="bMarg" refType="primFontSz" fact="0.3"/>
+                  <dgm:constr type="lMarg" refType="primFontSz" fact="0.3"/>
+                  <dgm:constr type="rMarg" refType="primFontSz" fact="0.3"/>
+                </dgm:constrLst>
+                <dgm:ruleLst>
+                  <dgm:rule type="primFontSz" val="5" fact="NaN" max="NaN"/>
+                </dgm:ruleLst>
+              </dgm:layoutNode>
+              <dgm:choose name="Name12">
+                <dgm:if name="Name13" axis="des" ptType="node" func="cnt" op="gt" val="0">
+                  <dgm:layoutNode name="parTransTwo">
+                    <dgm:alg type="sp"/>
+                    <dgm:shape xmlns:r="http://schemas.openxmlformats.org/officeDocument/2006/relationships" r:blip="">
+                      <dgm:adjLst/>
+                    </dgm:shape>
+                    <dgm:presOf/>
+                    <dgm:constrLst/>
+                    <dgm:ruleLst/>
+                  </dgm:layoutNode>
+                </dgm:if>
+                <dgm:else name="Name14"/>
+              </dgm:choose>
+              <dgm:layoutNode name="horzTwo">
+                <dgm:choose name="Name15">
+                  <dgm:if name="Name16" func="var" arg="dir" op="equ" val="norm">
+                    <dgm:alg type="lin">
+                      <dgm:param type="linDir" val="fromL"/>
+                      <dgm:param type="nodeVertAlign" val="b"/>
+                    </dgm:alg>
+                  </dgm:if>
+                  <dgm:else name="Name17">
+                    <dgm:alg type="lin">
+                      <dgm:param type="linDir" val="fromR"/>
+                      <dgm:param type="nodeVertAlign" val="b"/>
+                    </dgm:alg>
+                  </dgm:else>
+                </dgm:choose>
+                <dgm:shape xmlns:r="http://schemas.openxmlformats.org/officeDocument/2006/relationships" r:blip="">
+                  <dgm:adjLst/>
+                </dgm:shape>
+                <dgm:presOf/>
+                <dgm:constrLst/>
+                <dgm:ruleLst>
+                  <dgm:rule type="w" val="INF" fact="NaN" max="NaN"/>
+                </dgm:ruleLst>
+                <dgm:forEach name="Name18" axis="ch" ptType="node">
+                  <dgm:layoutNode name="vertThree">
+                    <dgm:alg type="lin">
+                      <dgm:param type="linDir" val="fromB"/>
+                    </dgm:alg>
+                    <dgm:shape xmlns:r="http://schemas.openxmlformats.org/officeDocument/2006/relationships" r:blip="">
+                      <dgm:adjLst/>
+                    </dgm:shape>
+                    <dgm:presOf/>
+                    <dgm:constrLst>
+                      <dgm:constr type="w" for="ch" forName="txThree" refType="w" refFor="ch" refForName="horzThree" op="gte"/>
+                    </dgm:constrLst>
+                    <dgm:ruleLst/>
+                    <dgm:layoutNode name="txThree">
+                      <dgm:varLst>
+                        <dgm:chPref val="3"/>
+                      </dgm:varLst>
+                      <dgm:alg type="tx"/>
+                      <dgm:shape xmlns:r="http://schemas.openxmlformats.org/officeDocument/2006/relationships" type="roundRect" r:blip="">
+                        <dgm:adjLst>
+                          <dgm:adj idx="1" val="0.1"/>
+                        </dgm:adjLst>
+                      </dgm:shape>
+                      <dgm:presOf axis="self"/>
+                      <dgm:constrLst>
+                        <dgm:constr type="userH"/>
+                        <dgm:constr type="h" refType="userH"/>
+                        <dgm:constr type="tMarg" refType="primFontSz" fact="0.3"/>
+                        <dgm:constr type="bMarg" refType="primFontSz" fact="0.3"/>
+                        <dgm:constr type="lMarg" refType="primFontSz" fact="0.3"/>
+                        <dgm:constr type="rMarg" refType="primFontSz" fact="0.3"/>
+                      </dgm:constrLst>
+                      <dgm:ruleLst>
+                        <dgm:rule type="primFontSz" val="5" fact="NaN" max="NaN"/>
+                      </dgm:ruleLst>
+                    </dgm:layoutNode>
+                    <dgm:choose name="Name19">
+                      <dgm:if name="Name20" axis="des" ptType="node" func="cnt" op="gt" val="0">
+                        <dgm:layoutNode name="parTransThree">
+                          <dgm:alg type="sp"/>
+                          <dgm:shape xmlns:r="http://schemas.openxmlformats.org/officeDocument/2006/relationships" r:blip="">
+                            <dgm:adjLst/>
+                          </dgm:shape>
+                          <dgm:presOf/>
+                          <dgm:constrLst/>
+                          <dgm:ruleLst/>
+                        </dgm:layoutNode>
+                      </dgm:if>
+                      <dgm:else name="Name21"/>
+                    </dgm:choose>
+                    <dgm:layoutNode name="horzThree">
+                      <dgm:choose name="Name22">
+                        <dgm:if name="Name23" func="var" arg="dir" op="equ" val="norm">
+                          <dgm:alg type="lin">
+                            <dgm:param type="linDir" val="fromL"/>
+                            <dgm:param type="nodeVertAlign" val="b"/>
+                          </dgm:alg>
+                        </dgm:if>
+                        <dgm:else name="Name24">
+                          <dgm:alg type="lin">
+                            <dgm:param type="linDir" val="fromR"/>
+                            <dgm:param type="nodeVertAlign" val="b"/>
+                          </dgm:alg>
+                        </dgm:else>
+                      </dgm:choose>
+                      <dgm:shape xmlns:r="http://schemas.openxmlformats.org/officeDocument/2006/relationships" r:blip="">
+                        <dgm:adjLst/>
+                      </dgm:shape>
+                      <dgm:presOf/>
+                      <dgm:constrLst/>
+                      <dgm:ruleLst>
+                        <dgm:rule type="w" val="INF" fact="NaN" max="NaN"/>
+                      </dgm:ruleLst>
+                      <dgm:forEach name="repeat" axis="ch" ptType="node">
+                        <dgm:layoutNode name="vertFour">
+                          <dgm:varLst>
+                            <dgm:chPref val="3"/>
+                          </dgm:varLst>
+                          <dgm:alg type="lin">
+                            <dgm:param type="linDir" val="fromB"/>
+                          </dgm:alg>
+                          <dgm:shape xmlns:r="http://schemas.openxmlformats.org/officeDocument/2006/relationships" r:blip="">
+                            <dgm:adjLst/>
+                          </dgm:shape>
+                          <dgm:presOf/>
+                          <dgm:constrLst>
+                            <dgm:constr type="w" for="ch" forName="txFour" refType="w" refFor="ch" refForName="horzFour" op="gte"/>
+                          </dgm:constrLst>
+                          <dgm:ruleLst/>
+                          <dgm:layoutNode name="txFour">
+                            <dgm:varLst>
+                              <dgm:chPref val="3"/>
+                            </dgm:varLst>
+                            <dgm:alg type="tx"/>
+                            <dgm:shape xmlns:r="http://schemas.openxmlformats.org/officeDocument/2006/relationships" type="roundRect" r:blip="">
+                              <dgm:adjLst>
+                                <dgm:adj idx="1" val="0.1"/>
+                              </dgm:adjLst>
+                            </dgm:shape>
+                            <dgm:presOf axis="self"/>
+                            <dgm:constrLst>
+                              <dgm:constr type="userH"/>
+                              <dgm:constr type="h" refType="userH"/>
+                              <dgm:constr type="tMarg" refType="primFontSz" fact="0.3"/>
+                              <dgm:constr type="bMarg" refType="primFontSz" fact="0.3"/>
+                              <dgm:constr type="lMarg" refType="primFontSz" fact="0.3"/>
+                              <dgm:constr type="rMarg" refType="primFontSz" fact="0.3"/>
+                            </dgm:constrLst>
+                            <dgm:ruleLst>
+                              <dgm:rule type="primFontSz" val="5" fact="NaN" max="NaN"/>
+                            </dgm:ruleLst>
+                          </dgm:layoutNode>
+                          <dgm:choose name="Name25">
+                            <dgm:if name="Name26" axis="des" ptType="node" func="cnt" op="gt" val="0">
+                              <dgm:layoutNode name="parTransFour">
+                                <dgm:alg type="sp"/>
+                                <dgm:shape xmlns:r="http://schemas.openxmlformats.org/officeDocument/2006/relationships" r:blip="">
+                                  <dgm:adjLst/>
+                                </dgm:shape>
+                                <dgm:presOf/>
+                                <dgm:constrLst/>
+                                <dgm:ruleLst/>
+                              </dgm:layoutNode>
+                            </dgm:if>
+                            <dgm:else name="Name27"/>
+                          </dgm:choose>
+                          <dgm:layoutNode name="horzFour">
+                            <dgm:choose name="Name28">
+                              <dgm:if name="Name29" func="var" arg="dir" op="equ" val="norm">
+                                <dgm:alg type="lin">
+                                  <dgm:param type="linDir" val="fromL"/>
+                                  <dgm:param type="nodeVertAlign" val="b"/>
+                                </dgm:alg>
+                              </dgm:if>
+                              <dgm:else name="Name30">
+                                <dgm:alg type="lin">
+                                  <dgm:param type="linDir" val="fromR"/>
+                                  <dgm:param type="nodeVertAlign" val="b"/>
+                                </dgm:alg>
+                              </dgm:else>
+                            </dgm:choose>
+                            <dgm:shape xmlns:r="http://schemas.openxmlformats.org/officeDocument/2006/relationships" r:blip="">
+                              <dgm:adjLst/>
+                            </dgm:shape>
+                            <dgm:presOf/>
+                            <dgm:constrLst/>
+                            <dgm:ruleLst>
+                              <dgm:rule type="w" val="INF" fact="NaN" max="NaN"/>
+                            </dgm:ruleLst>
+                            <dgm:forEach name="Name31" ref="repeat"/>
+                          </dgm:layoutNode>
+                        </dgm:layoutNode>
+                        <dgm:choose name="Name32">
+                          <dgm:if name="Name33" axis="self" ptType="node" func="revPos" op="gte" val="2">
+                            <dgm:forEach name="Name34" axis="followSib" ptType="sibTrans" cnt="1">
+                              <dgm:layoutNode name="sibSpaceFour">
+                                <dgm:alg type="sp"/>
+                                <dgm:shape xmlns:r="http://schemas.openxmlformats.org/officeDocument/2006/relationships" r:blip="">
+                                  <dgm:adjLst/>
+                                </dgm:shape>
+                                <dgm:presOf/>
+                                <dgm:constrLst/>
+                                <dgm:ruleLst/>
+                              </dgm:layoutNode>
+                            </dgm:forEach>
+                          </dgm:if>
+                          <dgm:else name="Name35"/>
+                        </dgm:choose>
+                      </dgm:forEach>
+                    </dgm:layoutNode>
+                  </dgm:layoutNode>
+                  <dgm:choose name="Name36">
+                    <dgm:if name="Name37" axis="self" ptType="node" func="revPos" op="gte" val="2">
+                      <dgm:forEach name="Name38" axis="followSib" ptType="sibTrans" cnt="1">
+                        <dgm:layoutNode name="sibSpaceThree">
+                          <dgm:alg type="sp"/>
+                          <dgm:shape xmlns:r="http://schemas.openxmlformats.org/officeDocument/2006/relationships" r:blip="">
+                            <dgm:adjLst/>
+                          </dgm:shape>
+                          <dgm:presOf/>
+                          <dgm:constrLst/>
+                          <dgm:ruleLst/>
+                        </dgm:layoutNode>
+                      </dgm:forEach>
+                    </dgm:if>
+                    <dgm:else name="Name39"/>
+                  </dgm:choose>
+                </dgm:forEach>
+              </dgm:layoutNode>
+            </dgm:layoutNode>
+            <dgm:choose name="Name40">
+              <dgm:if name="Name41" axis="self" ptType="node" func="revPos" op="gte" val="2">
+                <dgm:forEach name="Name42" axis="followSib" ptType="sibTrans" cnt="1">
+                  <dgm:layoutNode name="sibSpaceTwo">
+                    <dgm:alg type="sp"/>
+                    <dgm:shape xmlns:r="http://schemas.openxmlformats.org/officeDocument/2006/relationships" r:blip="">
+                      <dgm:adjLst/>
+                    </dgm:shape>
+                    <dgm:presOf/>
+                    <dgm:constrLst/>
+                    <dgm:ruleLst/>
+                  </dgm:layoutNode>
+                </dgm:forEach>
+              </dgm:if>
+              <dgm:else name="Name43"/>
+            </dgm:choose>
+          </dgm:forEach>
+        </dgm:layoutNode>
+      </dgm:layoutNode>
+      <dgm:choose name="Name44">
+        <dgm:if name="Name45" axis="self" ptType="node" func="revPos" op="gte" val="2">
+          <dgm:forEach name="Name46" axis="followSib" ptType="sibTrans" cnt="1">
+            <dgm:layoutNode name="sibSpaceOne">
+              <dgm:alg type="sp"/>
+              <dgm:shape xmlns:r="http://schemas.openxmlformats.org/officeDocument/2006/relationships" r:blip="">
+                <dgm:adjLst/>
+              </dgm:shape>
+              <dgm:presOf/>
+              <dgm:constrLst/>
+              <dgm:ruleLst/>
+            </dgm:layoutNode>
+          </dgm:forEach>
+        </dgm:if>
+        <dgm:else name="Name47"/>
+      </dgm:choose>
+    </dgm:forEach>
+  </dgm:layoutNode>
+</dgm:layoutDef>
+</file>
+
+<file path=ppt/diagrams/quickStyle1.xml><?xml version="1.0" encoding="utf-8"?>
+<dgm:styleDef xmlns:dgm="http://schemas.openxmlformats.org/drawingml/2006/diagram" xmlns:a="http://schemas.openxmlformats.org/drawingml/2006/main" uniqueId="urn:microsoft.com/office/officeart/2005/8/quickstyle/simple1">
+  <dgm:title val=""/>
+  <dgm:desc val=""/>
+  <dgm:catLst>
+    <dgm:cat type="simple" pri="10100"/>
+  </dgm:catLst>
+  <dgm:scene3d>
+    <a:camera prst="orthographicFront"/>
+    <a:lightRig rig="threePt" dir="t"/>
+  </dgm:scene3d>
+  <dgm:styleLbl name="node0">
+    <dgm:scene3d>
+      <a:camera prst="orthographicFront"/>
+      <a:lightRig rig="threePt" dir="t"/>
+    </dgm:scene3d>
+    <dgm:sp3d/>
+    <dgm:txPr/>
+    <dgm:style>
+      <a:lnRef idx="2">
+        <a:scrgbClr r="0" g="0" b="0"/>
+      </a:lnRef>
+      <a:fillRef idx="1">
+        <a:scrgbClr r="0" g="0" b="0"/>
+      </a:fillRef>
+      <a:effectRef idx="0">
+        <a:scrgbClr r="0" g="0" b="0"/>
+      </a:effectRef>
+      <a:fontRef idx="minor">
+        <a:schemeClr val="lt1"/>
+      </a:fontRef>
+    </dgm:style>
+  </dgm:styleLbl>
+  <dgm:styleLbl name="lnNode1">
+    <dgm:scene3d>
+      <a:camera prst="orthographicFront"/>
+      <a:lightRig rig="threePt" dir="t"/>
+    </dgm:scene3d>
+    <dgm:sp3d/>
+    <dgm:txPr/>
+    <dgm:style>
+      <a:lnRef idx="2">
+        <a:scrgbClr r="0" g="0" b="0"/>
+      </a:lnRef>
+      <a:fillRef idx="1">
+        <a:scrgbClr r="0" g="0" b="0"/>
+      </a:fillRef>
+      <a:effectRef idx="0">
+        <a:scrgbClr r="0" g="0" b="0"/>
+      </a:effectRef>
+      <a:fontRef idx="minor">
+        <a:schemeClr val="lt1"/>
+      </a:fontRef>
+    </dgm:style>
+  </dgm:styleLbl>
+  <dgm:styleLbl name="vennNode1">
+    <dgm:scene3d>
+      <a:camera prst="orthographicFront"/>
+      <a:lightRig rig="threePt" dir="t"/>
+    </dgm:scene3d>
+    <dgm:sp3d/>
+    <dgm:txPr/>
+    <dgm:style>
+      <a:lnRef idx="2">
+        <a:scrgbClr r="0" g="0" b="0"/>
+      </a:lnRef>
+      <a:fillRef idx="1">
+        <a:scrgbClr r="0" g="0" b="0"/>
+      </a:fillRef>
+      <a:effectRef idx="0">
+        <a:scrgbClr r="0" g="0" b="0"/>
+      </a:effectRef>
+      <a:fontRef idx="minor">
+        <a:schemeClr val="tx1"/>
+      </a:fontRef>
+    </dgm:style>
+  </dgm:styleLbl>
+  <dgm:styleLbl name="alignNode1">
+    <dgm:scene3d>
+      <a:camera prst="orthographicFront"/>
+      <a:lightRig rig="threePt" dir="t"/>
+    </dgm:scene3d>
+    <dgm:sp3d/>
+    <dgm:txPr/>
+    <dgm:style>
+      <a:lnRef idx="2">
+        <a:scrgbClr r="0" g="0" b="0"/>
+      </a:lnRef>
+      <a:fillRef idx="1">
+        <a:scrgbClr r="0" g="0" b="0"/>
+      </a:fillRef>
+      <a:effectRef idx="0">
+        <a:scrgbClr r="0" g="0" b="0"/>
+      </a:effectRef>
+      <a:fontRef idx="minor">
+        <a:schemeClr val="lt1"/>
+      </a:fontRef>
+    </dgm:style>
+  </dgm:styleLbl>
+  <dgm:styleLbl name="node1">
+    <dgm:scene3d>
+      <a:camera prst="orthographicFront"/>
+      <a:lightRig rig="threePt" dir="t"/>
+    </dgm:scene3d>
+    <dgm:sp3d/>
+    <dgm:txPr/>
+    <dgm:style>
+      <a:lnRef idx="2">
+        <a:scrgbClr r="0" g="0" b="0"/>
+      </a:lnRef>
+      <a:fillRef idx="1">
+        <a:scrgbClr r="0" g="0" b="0"/>
+      </a:fillRef>
+      <a:effectRef idx="0">
+        <a:scrgbClr r="0" g="0" b="0"/>
+      </a:effectRef>
+      <a:fontRef idx="minor">
+        <a:schemeClr val="lt1"/>
+      </a:fontRef>
+    </dgm:style>
+  </dgm:styleLbl>
+  <dgm:styleLbl name="node2">
+    <dgm:scene3d>
+      <a:camera prst="orthographicFront"/>
+      <a:lightRig rig="threePt" dir="t"/>
+    </dgm:scene3d>
+    <dgm:sp3d/>
+    <dgm:txPr/>
+    <dgm:style>
+      <a:lnRef idx="2">
+        <a:scrgbClr r="0" g="0" b="0"/>
+      </a:lnRef>
+      <a:fillRef idx="1">
+        <a:scrgbClr r="0" g="0" b="0"/>
+      </a:fillRef>
+      <a:effectRef idx="0">
+        <a:scrgbClr r="0" g="0" b="0"/>
+      </a:effectRef>
+      <a:fontRef idx="minor">
+        <a:schemeClr val="lt1"/>
+      </a:fontRef>
+    </dgm:style>
+  </dgm:styleLbl>
+  <dgm:styleLbl name="node3">
+    <dgm:scene3d>
+      <a:camera prst="orthographicFront"/>
+      <a:lightRig rig="threePt" dir="t"/>
+    </dgm:scene3d>
+    <dgm:sp3d/>
+    <dgm:txPr/>
+    <dgm:style>
+      <a:lnRef idx="2">
+        <a:scrgbClr r="0" g="0" b="0"/>
+      </a:lnRef>
+      <a:fillRef idx="1">
+        <a:scrgbClr r="0" g="0" b="0"/>
+      </a:fillRef>
+      <a:effectRef idx="0">
+        <a:scrgbClr r="0" g="0" b="0"/>
+      </a:effectRef>
+      <a:fontRef idx="minor">
+        <a:schemeClr val="lt1"/>
+      </a:fontRef>
+    </dgm:style>
+  </dgm:styleLbl>
+  <dgm:styleLbl name="node4">
+    <dgm:scene3d>
+      <a:camera prst="orthographicFront"/>
+      <a:lightRig rig="threePt" dir="t"/>
+    </dgm:scene3d>
+    <dgm:sp3d/>
+    <dgm:txPr/>
+    <dgm:style>
+      <a:lnRef idx="2">
+        <a:scrgbClr r="0" g="0" b="0"/>
+      </a:lnRef>
+      <a:fillRef idx="1">
+        <a:scrgbClr r="0" g="0" b="0"/>
+      </a:fillRef>
+      <a:effectRef idx="0">
+        <a:scrgbClr r="0" g="0" b="0"/>
+      </a:effectRef>
+      <a:fontRef idx="minor">
+        <a:schemeClr val="lt1"/>
+      </a:fontRef>
+    </dgm:style>
+  </dgm:styleLbl>
+  <dgm:styleLbl name="fgImgPlace1">
+    <dgm:scene3d>
+      <a:camera prst="orthographicFront"/>
+      <a:lightRig rig="threePt" dir="t"/>
+    </dgm:scene3d>
+    <dgm:sp3d/>
+    <dgm:txPr/>
+    <dgm:style>
+      <a:lnRef idx="2">
+        <a:scrgbClr r="0" g="0" b="0"/>
+      </a:lnRef>
+      <a:fillRef idx="1">
+        <a:scrgbClr r="0" g="0" b="0"/>
+      </a:fillRef>
+      <a:effectRef idx="0">
+        <a:scrgbClr r="0" g="0" b="0"/>
+      </a:effectRef>
+      <a:fontRef idx="minor"/>
+    </dgm:style>
+  </dgm:styleLbl>
+  <dgm:styleLbl name="alignImgPlace1">
+    <dgm:scene3d>
+      <a:camera prst="orthographicFront"/>
+      <a:lightRig rig="threePt" dir="t"/>
+    </dgm:scene3d>
+    <dgm:sp3d/>
+    <dgm:txPr/>
+    <dgm:style>
+      <a:lnRef idx="2">
+        <a:scrgbClr r="0" g="0" b="0"/>
+      </a:lnRef>
+      <a:fillRef idx="1">
+        <a:scrgbClr r="0" g="0" b="0"/>
+      </a:fillRef>
+      <a:effectRef idx="0">
+        <a:scrgbClr r="0" g="0" b="0"/>
+      </a:effectRef>
+      <a:fontRef idx="minor"/>
+    </dgm:style>
+  </dgm:styleLbl>
+  <dgm:styleLbl name="bgImgPlace1">
+    <dgm:scene3d>
+      <a:camera prst="orthographicFront"/>
+      <a:lightRig rig="threePt" dir="t"/>
+    </dgm:scene3d>
+    <dgm:sp3d/>
+    <dgm:txPr/>
+    <dgm:style>
+      <a:lnRef idx="2">
+        <a:scrgbClr r="0" g="0" b="0"/>
+      </a:lnRef>
+      <a:fillRef idx="1">
+        <a:scrgbClr r="0" g="0" b="0"/>
+      </a:fillRef>
+      <a:effectRef idx="0">
+        <a:scrgbClr r="0" g="0" b="0"/>
+      </a:effectRef>
+      <a:fontRef idx="minor"/>
+    </dgm:style>
+  </dgm:styleLbl>
+  <dgm:styleLbl name="sibTrans2D1">
+    <dgm:scene3d>
+      <a:camera prst="orthographicFront"/>
+      <a:lightRig rig="threePt" dir="t"/>
+    </dgm:scene3d>
+    <dgm:sp3d/>
+    <dgm:txPr/>
+    <dgm:style>
+      <a:lnRef idx="0">
+        <a:scrgbClr r="0" g="0" b="0"/>
+      </a:lnRef>
+      <a:fillRef idx="1">
+        <a:scrgbClr r="0" g="0" b="0"/>
+      </a:fillRef>
+      <a:effectRef idx="0">
+        <a:scrgbClr r="0" g="0" b="0"/>
+      </a:effectRef>
+      <a:fontRef idx="minor">
+        <a:schemeClr val="lt1"/>
+      </a:fontRef>
+    </dgm:style>
+  </dgm:styleLbl>
+  <dgm:styleLbl name="fgSibTrans2D1">
+    <dgm:scene3d>
+      <a:camera prst="orthographicFront"/>
+      <a:lightRig rig="threePt" dir="t"/>
+    </dgm:scene3d>
+    <dgm:sp3d/>
+    <dgm:txPr/>
+    <dgm:style>
+      <a:lnRef idx="0">
+        <a:scrgbClr r="0" g="0" b="0"/>
+      </a:lnRef>
+      <a:fillRef idx="1">
+        <a:scrgbClr r="0" g="0" b="0"/>
+      </a:fillRef>
+      <a:effectRef idx="0">
+        <a:scrgbClr r="0" g="0" b="0"/>
+      </a:effectRef>
+      <a:fontRef idx="minor">
+        <a:schemeClr val="lt1"/>
+      </a:fontRef>
+    </dgm:style>
+  </dgm:styleLbl>
+  <dgm:styleLbl name="bgSibTrans2D1">
+    <dgm:scene3d>
+      <a:camera prst="orthographicFront"/>
+      <a:lightRig rig="threePt" dir="t"/>
+    </dgm:scene3d>
+    <dgm:sp3d/>
+    <dgm:txPr/>
+    <dgm:style>
+      <a:lnRef idx="0">
+        <a:scrgbClr r="0" g="0" b="0"/>
+      </a:lnRef>
+      <a:fillRef idx="1">
+        <a:scrgbClr r="0" g="0" b="0"/>
+      </a:fillRef>
+      <a:effectRef idx="0">
+        <a:scrgbClr r="0" g="0" b="0"/>
+      </a:effectRef>
+      <a:fontRef idx="minor">
+        <a:schemeClr val="lt1"/>
+      </a:fontRef>
+    </dgm:style>
+  </dgm:styleLbl>
+  <dgm:styleLbl name="sibTrans1D1">
+    <dgm:scene3d>
+      <a:camera prst="orthographicFront"/>
+      <a:lightRig rig="threePt" dir="t"/>
+    </dgm:scene3d>
+    <dgm:sp3d/>
+    <dgm:txPr/>
+    <dgm:style>
+      <a:lnRef idx="1">
+        <a:scrgbClr r="0" g="0" b="0"/>
+      </a:lnRef>
+      <a:fillRef idx="0">
+        <a:scrgbClr r="0" g="0" b="0"/>
+      </a:fillRef>
+      <a:effectRef idx="0">
+        <a:scrgbClr r="0" g="0" b="0"/>
+      </a:effectRef>
+      <a:fontRef idx="minor"/>
+    </dgm:style>
+  </dgm:styleLbl>
+  <dgm:styleLbl name="callout">
+    <dgm:scene3d>
+      <a:camera prst="orthographicFront"/>
+      <a:lightRig rig="threePt" dir="t"/>
+    </dgm:scene3d>
+    <dgm:sp3d/>
+    <dgm:txPr/>
+    <dgm:style>
+      <a:lnRef idx="2">
+        <a:scrgbClr r="0" g="0" b="0"/>
+      </a:lnRef>
+      <a:fillRef idx="1">
+        <a:scrgbClr r="0" g="0" b="0"/>
+      </a:fillRef>
+      <a:effectRef idx="0">
+        <a:scrgbClr r="0" g="0" b="0"/>
+      </a:effectRef>
+      <a:fontRef idx="minor"/>
+    </dgm:style>
+  </dgm:styleLbl>
+  <dgm:styleLbl name="asst0">
+    <dgm:scene3d>
+      <a:camera prst="orthographicFront"/>
+      <a:lightRig rig="threePt" dir="t"/>
+    </dgm:scene3d>
+    <dgm:sp3d/>
+    <dgm:txPr/>
+    <dgm:style>
+      <a:lnRef idx="2">
+        <a:scrgbClr r="0" g="0" b="0"/>
+      </a:lnRef>
+      <a:fillRef idx="1">
+        <a:scrgbClr r="0" g="0" b="0"/>
+      </a:fillRef>
+      <a:effectRef idx="0">
+        <a:scrgbClr r="0" g="0" b="0"/>
+      </a:effectRef>
+      <a:fontRef idx="minor">
+        <a:schemeClr val="lt1"/>
+      </a:fontRef>
+    </dgm:style>
+  </dgm:styleLbl>
+  <dgm:styleLbl name="asst1">
+    <dgm:scene3d>
+      <a:camera prst="orthographicFront"/>
+      <a:lightRig rig="threePt" dir="t"/>
+    </dgm:scene3d>
+    <dgm:sp3d/>
+    <dgm:txPr/>
+    <dgm:style>
+      <a:lnRef idx="2">
+        <a:scrgbClr r="0" g="0" b="0"/>
+      </a:lnRef>
+      <a:fillRef idx="1">
+        <a:scrgbClr r="0" g="0" b="0"/>
+      </a:fillRef>
+      <a:effectRef idx="0">
+        <a:scrgbClr r="0" g="0" b="0"/>
+      </a:effectRef>
+      <a:fontRef idx="minor">
+        <a:schemeClr val="lt1"/>
+      </a:fontRef>
+    </dgm:style>
+  </dgm:styleLbl>
+  <dgm:styleLbl name="asst2">
+    <dgm:scene3d>
+      <a:camera prst="orthographicFront"/>
+      <a:lightRig rig="threePt" dir="t"/>
+    </dgm:scene3d>
+    <dgm:sp3d/>
+    <dgm:txPr/>
+    <dgm:style>
+      <a:lnRef idx="2">
+        <a:scrgbClr r="0" g="0" b="0"/>
+      </a:lnRef>
+      <a:fillRef idx="1">
+        <a:scrgbClr r="0" g="0" b="0"/>
+      </a:fillRef>
+      <a:effectRef idx="0">
+        <a:scrgbClr r="0" g="0" b="0"/>
+      </a:effectRef>
+      <a:fontRef idx="minor">
+        <a:schemeClr val="lt1"/>
+      </a:fontRef>
+    </dgm:style>
+  </dgm:styleLbl>
+  <dgm:styleLbl name="asst3">
+    <dgm:scene3d>
+      <a:camera prst="orthographicFront"/>
+      <a:lightRig rig="threePt" dir="t"/>
+    </dgm:scene3d>
+    <dgm:sp3d/>
+    <dgm:txPr/>
+    <dgm:style>
+      <a:lnRef idx="2">
+        <a:scrgbClr r="0" g="0" b="0"/>
+      </a:lnRef>
+      <a:fillRef idx="1">
+        <a:scrgbClr r="0" g="0" b="0"/>
+      </a:fillRef>
+      <a:effectRef idx="0">
+        <a:scrgbClr r="0" g="0" b="0"/>
+      </a:effectRef>
+      <a:fontRef idx="minor">
+        <a:schemeClr val="lt1"/>
+      </a:fontRef>
+    </dgm:style>
+  </dgm:styleLbl>
+  <dgm:styleLbl name="asst4">
+    <dgm:scene3d>
+      <a:camera prst="orthographicFront"/>
+      <a:lightRig rig="threePt" dir="t"/>
+    </dgm:scene3d>
+    <dgm:sp3d/>
+    <dgm:txPr/>
+    <dgm:style>
+      <a:lnRef idx="2">
+        <a:scrgbClr r="0" g="0" b="0"/>
+      </a:lnRef>
+      <a:fillRef idx="1">
+        <a:scrgbClr r="0" g="0" b="0"/>
+      </a:fillRef>
+      <a:effectRef idx="0">
+        <a:scrgbClr r="0" g="0" b="0"/>
+      </a:effectRef>
+      <a:fontRef idx="minor">
+        <a:schemeClr val="lt1"/>
+      </a:fontRef>
+    </dgm:style>
+  </dgm:styleLbl>
+  <dgm:styleLbl name="parChTrans2D1">
+    <dgm:scene3d>
+      <a:camera prst="orthographicFront"/>
+      <a:lightRig rig="threePt" dir="t"/>
+    </dgm:scene3d>
+    <dgm:sp3d/>
+    <dgm:txPr/>
+    <dgm:style>
+      <a:lnRef idx="2">
+        <a:scrgbClr r="0" g="0" b="0"/>
+      </a:lnRef>
+      <a:fillRef idx="1">
+        <a:scrgbClr r="0" g="0" b="0"/>
+      </a:fillRef>
+      <a:effectRef idx="0">
+        <a:scrgbClr r="0" g="0" b="0"/>
+      </a:effectRef>
+      <a:fontRef idx="minor">
+        <a:schemeClr val="lt1"/>
+      </a:fontRef>
+    </dgm:style>
+  </dgm:styleLbl>
+  <dgm:styleLbl name="parChTrans2D2">
+    <dgm:scene3d>
+      <a:camera prst="orthographicFront"/>
+      <a:lightRig rig="threePt" dir="t"/>
+    </dgm:scene3d>
+    <dgm:sp3d/>
+    <dgm:txPr/>
+    <dgm:style>
+      <a:lnRef idx="2">
+        <a:scrgbClr r="0" g="0" b="0"/>
+      </a:lnRef>
+      <a:fillRef idx="1">
+        <a:scrgbClr r="0" g="0" b="0"/>
+      </a:fillRef>
+      <a:effectRef idx="0">
+        <a:scrgbClr r="0" g="0" b="0"/>
+      </a:effectRef>
+      <a:fontRef idx="minor">
+        <a:schemeClr val="lt1"/>
+      </a:fontRef>
+    </dgm:style>
+  </dgm:styleLbl>
+  <dgm:styleLbl name="parChTrans2D3">
+    <dgm:scene3d>
+      <a:camera prst="orthographicFront"/>
+      <a:lightRig rig="threePt" dir="t"/>
+    </dgm:scene3d>
+    <dgm:sp3d/>
+    <dgm:txPr/>
+    <dgm:style>
+      <a:lnRef idx="2">
+        <a:scrgbClr r="0" g="0" b="0"/>
+      </a:lnRef>
+      <a:fillRef idx="1">
+        <a:scrgbClr r="0" g="0" b="0"/>
+      </a:fillRef>
+      <a:effectRef idx="0">
+        <a:scrgbClr r="0" g="0" b="0"/>
+      </a:effectRef>
+      <a:fontRef idx="minor">
+        <a:schemeClr val="lt1"/>
+      </a:fontRef>
+    </dgm:style>
+  </dgm:styleLbl>
+  <dgm:styleLbl name="parChTrans2D4">
+    <dgm:scene3d>
+      <a:camera prst="orthographicFront"/>
+      <a:lightRig rig="threePt" dir="t"/>
+    </dgm:scene3d>
+    <dgm:sp3d/>
+    <dgm:txPr/>
+    <dgm:style>
+      <a:lnRef idx="2">
+        <a:scrgbClr r="0" g="0" b="0"/>
+      </a:lnRef>
+      <a:fillRef idx="1">
+        <a:scrgbClr r="0" g="0" b="0"/>
+      </a:fillRef>
+      <a:effectRef idx="0">
+        <a:scrgbClr r="0" g="0" b="0"/>
+      </a:effectRef>
+      <a:fontRef idx="minor">
+        <a:schemeClr val="lt1"/>
+      </a:fontRef>
+    </dgm:style>
+  </dgm:styleLbl>
+  <dgm:styleLbl name="parChTrans1D1">
+    <dgm:scene3d>
+      <a:camera prst="orthographicFront"/>
+      <a:lightRig rig="threePt" dir="t"/>
+    </dgm:scene3d>
+    <dgm:sp3d/>
+    <dgm:txPr/>
+    <dgm:style>
+      <a:lnRef idx="2">
+        <a:scrgbClr r="0" g="0" b="0"/>
+      </a:lnRef>
+      <a:fillRef idx="0">
+        <a:scrgbClr r="0" g="0" b="0"/>
+      </a:fillRef>
+      <a:effectRef idx="0">
+        <a:scrgbClr r="0" g="0" b="0"/>
+      </a:effectRef>
+      <a:fontRef idx="minor"/>
+    </dgm:style>
+  </dgm:styleLbl>
+  <dgm:styleLbl name="parChTrans1D2">
+    <dgm:scene3d>
+      <a:camera prst="orthographicFront"/>
+      <a:lightRig rig="threePt" dir="t"/>
+    </dgm:scene3d>
+    <dgm:sp3d/>
+    <dgm:txPr/>
+    <dgm:style>
+      <a:lnRef idx="2">
+        <a:scrgbClr r="0" g="0" b="0"/>
+      </a:lnRef>
+      <a:fillRef idx="0">
+        <a:scrgbClr r="0" g="0" b="0"/>
+      </a:fillRef>
+      <a:effectRef idx="0">
+        <a:scrgbClr r="0" g="0" b="0"/>
+      </a:effectRef>
+      <a:fontRef idx="minor"/>
+    </dgm:style>
+  </dgm:styleLbl>
+  <dgm:styleLbl name="parChTrans1D3">
+    <dgm:scene3d>
+      <a:camera prst="orthographicFront"/>
+      <a:lightRig rig="threePt" dir="t"/>
+    </dgm:scene3d>
+    <dgm:sp3d/>
+    <dgm:txPr/>
+    <dgm:style>
+      <a:lnRef idx="2">
+        <a:scrgbClr r="0" g="0" b="0"/>
+      </a:lnRef>
+      <a:fillRef idx="0">
+        <a:scrgbClr r="0" g="0" b="0"/>
+      </a:fillRef>
+      <a:effectRef idx="0">
+        <a:scrgbClr r="0" g="0" b="0"/>
+      </a:effectRef>
+      <a:fontRef idx="minor"/>
+    </dgm:style>
+  </dgm:styleLbl>
+  <dgm:styleLbl name="parChTrans1D4">
+    <dgm:scene3d>
+      <a:camera prst="orthographicFront"/>
+      <a:lightRig rig="threePt" dir="t"/>
+    </dgm:scene3d>
+    <dgm:sp3d/>
+    <dgm:txPr/>
+    <dgm:style>
+      <a:lnRef idx="2">
+        <a:scrgbClr r="0" g="0" b="0"/>
+      </a:lnRef>
+      <a:fillRef idx="0">
+        <a:scrgbClr r="0" g="0" b="0"/>
+      </a:fillRef>
+      <a:effectRef idx="0">
+        <a:scrgbClr r="0" g="0" b="0"/>
+      </a:effectRef>
+      <a:fontRef idx="minor"/>
+    </dgm:style>
+  </dgm:styleLbl>
+  <dgm:styleLbl name="fgAcc1">
+    <dgm:scene3d>
+      <a:camera prst="orthographicFront"/>
+      <a:lightRig rig="threePt" dir="t"/>
+    </dgm:scene3d>
+    <dgm:sp3d/>
+    <dgm:txPr/>
+    <dgm:style>
+      <a:lnRef idx="2">
+        <a:scrgbClr r="0" g="0" b="0"/>
+      </a:lnRef>
+      <a:fillRef idx="1">
+        <a:scrgbClr r="0" g="0" b="0"/>
+      </a:fillRef>
+      <a:effectRef idx="0">
+        <a:scrgbClr r="0" g="0" b="0"/>
+      </a:effectRef>
+      <a:fontRef idx="minor"/>
+    </dgm:style>
+  </dgm:styleLbl>
+  <dgm:styleLbl name="conFgAcc1">
+    <dgm:scene3d>
+      <a:camera prst="orthographicFront"/>
+      <a:lightRig rig="threePt" dir="t"/>
+    </dgm:scene3d>
+    <dgm:sp3d/>
+    <dgm:txPr/>
+    <dgm:style>
+      <a:lnRef idx="2">
+        <a:scrgbClr r="0" g="0" b="0"/>
+      </a:lnRef>
+      <a:fillRef idx="1">
+        <a:scrgbClr r="0" g="0" b="0"/>
+      </a:fillRef>
+      <a:effectRef idx="0">
+        <a:scrgbClr r="0" g="0" b="0"/>
+      </a:effectRef>
+      <a:fontRef idx="minor"/>
+    </dgm:style>
+  </dgm:styleLbl>
+  <dgm:styleLbl name="alignAcc1">
+    <dgm:scene3d>
+      <a:camera prst="orthographicFront"/>
+      <a:lightRig rig="threePt" dir="t"/>
+    </dgm:scene3d>
+    <dgm:sp3d/>
+    <dgm:txPr/>
+    <dgm:style>
+      <a:lnRef idx="2">
+        <a:scrgbClr r="0" g="0" b="0"/>
+      </a:lnRef>
+      <a:fillRef idx="1">
+        <a:scrgbClr r="0" g="0" b="0"/>
+      </a:fillRef>
+      <a:effectRef idx="0">
+        <a:scrgbClr r="0" g="0" b="0"/>
+      </a:effectRef>
+      <a:fontRef idx="minor"/>
+    </dgm:style>
+  </dgm:styleLbl>
+  <dgm:styleLbl name="trAlignAcc1">
+    <dgm:scene3d>
+      <a:camera prst="orthographicFront"/>
+      <a:lightRig rig="threePt" dir="t"/>
+    </dgm:scene3d>
+    <dgm:sp3d/>
+    <dgm:txPr/>
+    <dgm:style>
+      <a:lnRef idx="1">
+        <a:scrgbClr r="0" g="0" b="0"/>
+      </a:lnRef>
+      <a:fillRef idx="1">
+        <a:scrgbClr r="0" g="0" b="0"/>
+      </a:fillRef>
+      <a:effectRef idx="0">
+        <a:scrgbClr r="0" g="0" b="0"/>
+      </a:effectRef>
+      <a:fontRef idx="minor"/>
+    </dgm:style>
+  </dgm:styleLbl>
+  <dgm:styleLbl name="bgAcc1">
+    <dgm:scene3d>
+      <a:camera prst="orthographicFront"/>
+      <a:lightRig rig="threePt" dir="t"/>
+    </dgm:scene3d>
+    <dgm:sp3d/>
+    <dgm:txPr/>
+    <dgm:style>
+      <a:lnRef idx="2">
+        <a:scrgbClr r="0" g="0" b="0"/>
+      </a:lnRef>
+      <a:fillRef idx="1">
+        <a:scrgbClr r="0" g="0" b="0"/>
+      </a:fillRef>
+      <a:effectRef idx="0">
+        <a:scrgbClr r="0" g="0" b="0"/>
+      </a:effectRef>
+      <a:fontRef idx="minor"/>
+    </dgm:style>
+  </dgm:styleLbl>
+  <dgm:styleLbl name="solidFgAcc1">
+    <dgm:scene3d>
+      <a:camera prst="orthographicFront"/>
+      <a:lightRig rig="threePt" dir="t"/>
+    </dgm:scene3d>
+    <dgm:sp3d/>
+    <dgm:txPr/>
+    <dgm:style>
+      <a:lnRef idx="2">
+        <a:scrgbClr r="0" g="0" b="0"/>
+      </a:lnRef>
+      <a:fillRef idx="1">
+        <a:scrgbClr r="0" g="0" b="0"/>
+      </a:fillRef>
+      <a:effectRef idx="0">
+        <a:scrgbClr r="0" g="0" b="0"/>
+      </a:effectRef>
+      <a:fontRef idx="minor"/>
+    </dgm:style>
+  </dgm:styleLbl>
+  <dgm:styleLbl name="solidAlignAcc1">
+    <dgm:scene3d>
+      <a:camera prst="orthographicFront"/>
+      <a:lightRig rig="threePt" dir="t"/>
+    </dgm:scene3d>
+    <dgm:sp3d/>
+    <dgm:txPr/>
+    <dgm:style>
+      <a:lnRef idx="2">
+        <a:scrgbClr r="0" g="0" b="0"/>
+      </a:lnRef>
+      <a:fillRef idx="1">
+        <a:scrgbClr r="0" g="0" b="0"/>
+      </a:fillRef>
+      <a:effectRef idx="0">
+        <a:scrgbClr r="0" g="0" b="0"/>
+      </a:effectRef>
+      <a:fontRef idx="minor"/>
+    </dgm:style>
+  </dgm:styleLbl>
+  <dgm:styleLbl name="solidBgAcc1">
+    <dgm:scene3d>
+      <a:camera prst="orthographicFront"/>
+      <a:lightRig rig="threePt" dir="t"/>
+    </dgm:scene3d>
+    <dgm:sp3d/>
+    <dgm:txPr/>
+    <dgm:style>
+      <a:lnRef idx="2">
+        <a:scrgbClr r="0" g="0" b="0"/>
+      </a:lnRef>
+      <a:fillRef idx="1">
+        <a:scrgbClr r="0" g="0" b="0"/>
+      </a:fillRef>
+      <a:effectRef idx="0">
+        <a:scrgbClr r="0" g="0" b="0"/>
+      </a:effectRef>
+      <a:fontRef idx="minor"/>
+    </dgm:style>
+  </dgm:styleLbl>
+  <dgm:styleLbl name="fgAccFollowNode1">
+    <dgm:scene3d>
+      <a:camera prst="orthographicFront"/>
+      <a:lightRig rig="threePt" dir="t"/>
+    </dgm:scene3d>
+    <dgm:sp3d/>
+    <dgm:txPr/>
+    <dgm:style>
+      <a:lnRef idx="2">
+        <a:scrgbClr r="0" g="0" b="0"/>
+      </a:lnRef>
+      <a:fillRef idx="1">
+        <a:scrgbClr r="0" g="0" b="0"/>
+      </a:fillRef>
+      <a:effectRef idx="0">
+        <a:scrgbClr r="0" g="0" b="0"/>
+      </a:effectRef>
+      <a:fontRef idx="minor"/>
+    </dgm:style>
+  </dgm:styleLbl>
+  <dgm:styleLbl name="alignAccFollowNode1">
+    <dgm:scene3d>
+      <a:camera prst="orthographicFront"/>
+      <a:lightRig rig="threePt" dir="t"/>
+    </dgm:scene3d>
+    <dgm:sp3d/>
+    <dgm:txPr/>
+    <dgm:style>
+      <a:lnRef idx="2">
+        <a:scrgbClr r="0" g="0" b="0"/>
+      </a:lnRef>
+      <a:fillRef idx="1">
+        <a:scrgbClr r="0" g="0" b="0"/>
+      </a:fillRef>
+      <a:effectRef idx="0">
+        <a:scrgbClr r="0" g="0" b="0"/>
+      </a:effectRef>
+      <a:fontRef idx="minor"/>
+    </dgm:style>
+  </dgm:styleLbl>
+  <dgm:styleLbl name="bgAccFollowNode1">
+    <dgm:scene3d>
+      <a:camera prst="orthographicFront"/>
+      <a:lightRig rig="threePt" dir="t"/>
+    </dgm:scene3d>
+    <dgm:sp3d/>
+    <dgm:txPr/>
+    <dgm:style>
+      <a:lnRef idx="2">
+        <a:scrgbClr r="0" g="0" b="0"/>
+      </a:lnRef>
+      <a:fillRef idx="1">
+        <a:scrgbClr r="0" g="0" b="0"/>
+      </a:fillRef>
+      <a:effectRef idx="0">
+        <a:scrgbClr r="0" g="0" b="0"/>
+      </a:effectRef>
+      <a:fontRef idx="minor"/>
+    </dgm:style>
+  </dgm:styleLbl>
+  <dgm:styleLbl name="fgAcc0">
+    <dgm:scene3d>
+      <a:camera prst="orthographicFront"/>
+      <a:lightRig rig="threePt" dir="t"/>
+    </dgm:scene3d>
+    <dgm:sp3d/>
+    <dgm:txPr/>
+    <dgm:style>
+      <a:lnRef idx="2">
+        <a:scrgbClr r="0" g="0" b="0"/>
+      </a:lnRef>
+      <a:fillRef idx="1">
+        <a:scrgbClr r="0" g="0" b="0"/>
+      </a:fillRef>
+      <a:effectRef idx="0">
+        <a:scrgbClr r="0" g="0" b="0"/>
+      </a:effectRef>
+      <a:fontRef idx="minor"/>
+    </dgm:style>
+  </dgm:styleLbl>
+  <dgm:styleLbl name="fgAcc2">
+    <dgm:scene3d>
+      <a:camera prst="orthographicFront"/>
+      <a:lightRig rig="threePt" dir="t"/>
+    </dgm:scene3d>
+    <dgm:sp3d/>
+    <dgm:txPr/>
+    <dgm:style>
+      <a:lnRef idx="2">
+        <a:scrgbClr r="0" g="0" b="0"/>
+      </a:lnRef>
+      <a:fillRef idx="1">
+        <a:scrgbClr r="0" g="0" b="0"/>
+      </a:fillRef>
+      <a:effectRef idx="0">
+        <a:scrgbClr r="0" g="0" b="0"/>
+      </a:effectRef>
+      <a:fontRef idx="minor"/>
+    </dgm:style>
+  </dgm:styleLbl>
+  <dgm:styleLbl name="fgAcc3">
+    <dgm:scene3d>
+      <a:camera prst="orthographicFront"/>
+      <a:lightRig rig="threePt" dir="t"/>
+    </dgm:scene3d>
+    <dgm:sp3d/>
+    <dgm:txPr/>
+    <dgm:style>
+      <a:lnRef idx="2">
+        <a:scrgbClr r="0" g="0" b="0"/>
+      </a:lnRef>
+      <a:fillRef idx="1">
+        <a:scrgbClr r="0" g="0" b="0"/>
+      </a:fillRef>
+      <a:effectRef idx="0">
+        <a:scrgbClr r="0" g="0" b="0"/>
+      </a:effectRef>
+      <a:fontRef idx="minor"/>
+    </dgm:style>
+  </dgm:styleLbl>
+  <dgm:styleLbl name="fgAcc4">
+    <dgm:scene3d>
+      <a:camera prst="orthographicFront"/>
+      <a:lightRig rig="threePt" dir="t"/>
+    </dgm:scene3d>
+    <dgm:sp3d/>
+    <dgm:txPr/>
+    <dgm:style>
+      <a:lnRef idx="2">
+        <a:scrgbClr r="0" g="0" b="0"/>
+      </a:lnRef>
+      <a:fillRef idx="1">
+        <a:scrgbClr r="0" g="0" b="0"/>
+      </a:fillRef>
+      <a:effectRef idx="0">
+        <a:scrgbClr r="0" g="0" b="0"/>
+      </a:effectRef>
+      <a:fontRef idx="minor"/>
+    </dgm:style>
+  </dgm:styleLbl>
+  <dgm:styleLbl name="bgShp">
+    <dgm:scene3d>
+      <a:camera prst="orthographicFront"/>
+      <a:lightRig rig="threePt" dir="t"/>
+    </dgm:scene3d>
+    <dgm:sp3d/>
+    <dgm:txPr/>
+    <dgm:style>
+      <a:lnRef idx="0">
+        <a:scrgbClr r="0" g="0" b="0"/>
+      </a:lnRef>
+      <a:fillRef idx="1">
+        <a:scrgbClr r="0" g="0" b="0"/>
+      </a:fillRef>
+      <a:effectRef idx="0">
+        <a:scrgbClr r="0" g="0" b="0"/>
+      </a:effectRef>
+      <a:fontRef idx="minor"/>
+    </dgm:style>
+  </dgm:styleLbl>
+  <dgm:styleLbl name="dkBgShp">
+    <dgm:scene3d>
+      <a:camera prst="orthographicFront"/>
+      <a:lightRig rig="threePt" dir="t"/>
+    </dgm:scene3d>
+    <dgm:sp3d/>
+    <dgm:txPr/>
+    <dgm:style>
+      <a:lnRef idx="0">
+        <a:scrgbClr r="0" g="0" b="0"/>
+      </a:lnRef>
+      <a:fillRef idx="1">
+        <a:scrgbClr r="0" g="0" b="0"/>
+      </a:fillRef>
+      <a:effectRef idx="0">
+        <a:scrgbClr r="0" g="0" b="0"/>
+      </a:effectRef>
+      <a:fontRef idx="minor"/>
+    </dgm:style>
+  </dgm:styleLbl>
+  <dgm:styleLbl name="trBgShp">
+    <dgm:scene3d>
+      <a:camera prst="orthographicFront"/>
+      <a:lightRig rig="threePt" dir="t"/>
+    </dgm:scene3d>
+    <dgm:sp3d/>
+    <dgm:txPr/>
+    <dgm:style>
+      <a:lnRef idx="0">
+        <a:scrgbClr r="0" g="0" b="0"/>
+      </a:lnRef>
+      <a:fillRef idx="1">
+        <a:scrgbClr r="0" g="0" b="0"/>
+      </a:fillRef>
+      <a:effectRef idx="0">
+        <a:scrgbClr r="0" g="0" b="0"/>
+      </a:effectRef>
+      <a:fontRef idx="minor"/>
+    </dgm:style>
+  </dgm:styleLbl>
+  <dgm:styleLbl name="fgShp">
+    <dgm:scene3d>
+      <a:camera prst="orthographicFront"/>
+      <a:lightRig rig="threePt" dir="t"/>
+    </dgm:scene3d>
+    <dgm:sp3d/>
+    <dgm:txPr/>
+    <dgm:style>
+      <a:lnRef idx="2">
+        <a:scrgbClr r="0" g="0" b="0"/>
+      </a:lnRef>
+      <a:fillRef idx="1">
+        <a:scrgbClr r="0" g="0" b="0"/>
+      </a:fillRef>
+      <a:effectRef idx="0">
+        <a:scrgbClr r="0" g="0" b="0"/>
+      </a:effectRef>
+      <a:fontRef idx="minor"/>
+    </dgm:style>
+  </dgm:styleLbl>
+  <dgm:styleLbl name="revTx">
+    <dgm:scene3d>
+      <a:camera prst="orthographicFront"/>
+      <a:lightRig rig="threePt" dir="t"/>
+    </dgm:scene3d>
+    <dgm:sp3d/>
+    <dgm:txPr/>
+    <dgm:style>
+      <a:lnRef idx="0">
+        <a:scrgbClr r="0" g="0" b="0"/>
+      </a:lnRef>
+      <a:fillRef idx="0">
+        <a:scrgbClr r="0" g="0" b="0"/>
+      </a:fillRef>
+      <a:effectRef idx="0">
+        <a:scrgbClr r="0" g="0" b="0"/>
+      </a:effectRef>
+      <a:fontRef idx="minor"/>
+    </dgm:style>
+  </dgm:styleLbl>
+</dgm:styleDef>
+</file>
+
 <file path=ppt/notesMasters/notesMaster1.xml><?xml version="1.0" encoding="utf-8"?>
 <p:notesMaster xmlns:a="http://schemas.openxmlformats.org/drawingml/2006/main" xmlns:r="http://schemas.openxmlformats.org/officeDocument/2006/relationships" xmlns:p="http://schemas.openxmlformats.org/presentationml/2006/main">
   <p:cSld>
@@ -198,7 +3123,7 @@
           <a:p>
             <a:fld id="{E8DC62A2-CA51-4DE6-9EB4-2B31184897F4}" type="datetimeFigureOut">
               <a:rPr lang="en-US" smtClean="0"/>
-              <a:t>4/11/2018</a:t>
+              <a:t>4/13/2018</a:t>
             </a:fld>
             <a:endParaRPr lang="en-US"/>
           </a:p>
@@ -465,6 +3390,90 @@
 </p:notesMaster>
 </file>
 
+<file path=ppt/notesSlides/notesSlide1.xml><?xml version="1.0" encoding="utf-8"?>
+<p:notes xmlns:a="http://schemas.openxmlformats.org/drawingml/2006/main" xmlns:r="http://schemas.openxmlformats.org/officeDocument/2006/relationships" xmlns:p="http://schemas.openxmlformats.org/presentationml/2006/main">
+  <p:cSld>
+    <p:spTree>
+      <p:nvGrpSpPr>
+        <p:cNvPr id="1" name=""/>
+        <p:cNvGrpSpPr/>
+        <p:nvPr/>
+      </p:nvGrpSpPr>
+      <p:grpSpPr>
+        <a:xfrm>
+          <a:off x="0" y="0"/>
+          <a:ext cx="0" cy="0"/>
+          <a:chOff x="0" y="0"/>
+          <a:chExt cx="0" cy="0"/>
+        </a:xfrm>
+      </p:grpSpPr>
+      <p:sp>
+        <p:nvSpPr>
+          <p:cNvPr id="2" name="Slide Image Placeholder 1"/>
+          <p:cNvSpPr>
+            <a:spLocks noGrp="1" noRot="1" noChangeAspect="1"/>
+          </p:cNvSpPr>
+          <p:nvPr>
+            <p:ph type="sldImg"/>
+          </p:nvPr>
+        </p:nvSpPr>
+        <p:spPr/>
+      </p:sp>
+      <p:sp>
+        <p:nvSpPr>
+          <p:cNvPr id="3" name="Notes Placeholder 2"/>
+          <p:cNvSpPr>
+            <a:spLocks noGrp="1"/>
+          </p:cNvSpPr>
+          <p:nvPr>
+            <p:ph type="body" idx="1"/>
+          </p:nvPr>
+        </p:nvSpPr>
+        <p:spPr/>
+        <p:txBody>
+          <a:bodyPr/>
+          <a:lstStyle/>
+          <a:p>
+            <a:endParaRPr lang="en-US" dirty="0"/>
+          </a:p>
+        </p:txBody>
+      </p:sp>
+      <p:sp>
+        <p:nvSpPr>
+          <p:cNvPr id="4" name="Slide Number Placeholder 3"/>
+          <p:cNvSpPr>
+            <a:spLocks noGrp="1"/>
+          </p:cNvSpPr>
+          <p:nvPr>
+            <p:ph type="sldNum" sz="quarter" idx="10"/>
+          </p:nvPr>
+        </p:nvSpPr>
+        <p:spPr/>
+        <p:txBody>
+          <a:bodyPr/>
+          <a:lstStyle/>
+          <a:p>
+            <a:fld id="{A45D07DE-0534-4318-9CA3-2FA56016C447}" type="slidenum">
+              <a:rPr lang="en-US" smtClean="0"/>
+              <a:t>3</a:t>
+            </a:fld>
+            <a:endParaRPr lang="en-US"/>
+          </a:p>
+        </p:txBody>
+      </p:sp>
+    </p:spTree>
+    <p:extLst>
+      <p:ext uri="{BB962C8B-B14F-4D97-AF65-F5344CB8AC3E}">
+        <p14:creationId xmlns:p14="http://schemas.microsoft.com/office/powerpoint/2010/main" val="1777118477"/>
+      </p:ext>
+    </p:extLst>
+  </p:cSld>
+  <p:clrMapOvr>
+    <a:masterClrMapping/>
+  </p:clrMapOvr>
+</p:notes>
+</file>
+
 <file path=ppt/slideLayouts/slideLayout1.xml><?xml version="1.0" encoding="utf-8"?>
 <p:sldLayout xmlns:a="http://schemas.openxmlformats.org/drawingml/2006/main" xmlns:r="http://schemas.openxmlformats.org/officeDocument/2006/relationships" xmlns:p="http://schemas.openxmlformats.org/presentationml/2006/main" showMasterSp="0" type="title" preserve="1">
   <p:cSld name="Title Slide">
@@ -691,7 +3700,7 @@
           <a:p>
             <a:fld id="{C619A8D2-2616-4635-9C0D-88FB85C3F02D}" type="datetimeFigureOut">
               <a:rPr lang="en-US" smtClean="0"/>
-              <a:t>4/11/2018</a:t>
+              <a:t>4/13/2018</a:t>
             </a:fld>
             <a:endParaRPr lang="en-US"/>
           </a:p>
@@ -899,7 +3908,7 @@
           <a:p>
             <a:fld id="{C619A8D2-2616-4635-9C0D-88FB85C3F02D}" type="datetimeFigureOut">
               <a:rPr lang="en-US" smtClean="0"/>
-              <a:t>4/11/2018</a:t>
+              <a:t>4/13/2018</a:t>
             </a:fld>
             <a:endParaRPr lang="en-US"/>
           </a:p>
@@ -1155,7 +4164,7 @@
           <a:p>
             <a:fld id="{C619A8D2-2616-4635-9C0D-88FB85C3F02D}" type="datetimeFigureOut">
               <a:rPr lang="en-US" smtClean="0"/>
-              <a:t>4/11/2018</a:t>
+              <a:t>4/13/2018</a:t>
             </a:fld>
             <a:endParaRPr lang="en-US"/>
           </a:p>
@@ -1329,7 +4338,7 @@
           <a:p>
             <a:fld id="{C619A8D2-2616-4635-9C0D-88FB85C3F02D}" type="datetimeFigureOut">
               <a:rPr lang="en-US" smtClean="0"/>
-              <a:t>4/11/2018</a:t>
+              <a:t>4/13/2018</a:t>
             </a:fld>
             <a:endParaRPr lang="en-US"/>
           </a:p>
@@ -1672,7 +4681,7 @@
           <a:p>
             <a:fld id="{C619A8D2-2616-4635-9C0D-88FB85C3F02D}" type="datetimeFigureOut">
               <a:rPr lang="en-US" smtClean="0"/>
-              <a:t>4/11/2018</a:t>
+              <a:t>4/13/2018</a:t>
             </a:fld>
             <a:endParaRPr lang="en-US"/>
           </a:p>
@@ -1947,7 +4956,7 @@
           <a:p>
             <a:fld id="{C619A8D2-2616-4635-9C0D-88FB85C3F02D}" type="datetimeFigureOut">
               <a:rPr lang="en-US" smtClean="0"/>
-              <a:t>4/11/2018</a:t>
+              <a:t>4/13/2018</a:t>
             </a:fld>
             <a:endParaRPr lang="en-US"/>
           </a:p>
@@ -2331,7 +5340,7 @@
           <a:p>
             <a:fld id="{C619A8D2-2616-4635-9C0D-88FB85C3F02D}" type="datetimeFigureOut">
               <a:rPr lang="en-US" smtClean="0"/>
-              <a:t>4/11/2018</a:t>
+              <a:t>4/13/2018</a:t>
             </a:fld>
             <a:endParaRPr lang="en-US"/>
           </a:p>
@@ -2454,7 +5463,7 @@
           <a:p>
             <a:fld id="{C619A8D2-2616-4635-9C0D-88FB85C3F02D}" type="datetimeFigureOut">
               <a:rPr lang="en-US" smtClean="0"/>
-              <a:t>4/11/2018</a:t>
+              <a:t>4/13/2018</a:t>
             </a:fld>
             <a:endParaRPr lang="en-US"/>
           </a:p>
@@ -2625,7 +5634,7 @@
           <a:p>
             <a:fld id="{C619A8D2-2616-4635-9C0D-88FB85C3F02D}" type="datetimeFigureOut">
               <a:rPr lang="en-US" smtClean="0"/>
-              <a:t>4/11/2018</a:t>
+              <a:t>4/13/2018</a:t>
             </a:fld>
             <a:endParaRPr lang="en-US"/>
           </a:p>
@@ -2979,7 +5988,7 @@
           <a:p>
             <a:fld id="{C619A8D2-2616-4635-9C0D-88FB85C3F02D}" type="datetimeFigureOut">
               <a:rPr lang="en-US" smtClean="0"/>
-              <a:t>4/11/2018</a:t>
+              <a:t>4/13/2018</a:t>
             </a:fld>
             <a:endParaRPr lang="en-US"/>
           </a:p>
@@ -3366,7 +6375,7 @@
           <a:p>
             <a:fld id="{C619A8D2-2616-4635-9C0D-88FB85C3F02D}" type="datetimeFigureOut">
               <a:rPr lang="en-US" smtClean="0"/>
-              <a:t>4/11/2018</a:t>
+              <a:t>4/13/2018</a:t>
             </a:fld>
             <a:endParaRPr lang="en-US"/>
           </a:p>
@@ -3653,7 +6662,7 @@
           <a:p>
             <a:fld id="{C619A8D2-2616-4635-9C0D-88FB85C3F02D}" type="datetimeFigureOut">
               <a:rPr lang="en-US" smtClean="0"/>
-              <a:t>4/11/2018</a:t>
+              <a:t>4/13/2018</a:t>
             </a:fld>
             <a:endParaRPr lang="en-US"/>
           </a:p>
@@ -4295,6 +7304,489 @@
 </file>
 
 <file path=ppt/slides/slide2.xml><?xml version="1.0" encoding="utf-8"?>
+<p:sld xmlns:a="http://schemas.openxmlformats.org/drawingml/2006/main" xmlns:r="http://schemas.openxmlformats.org/officeDocument/2006/relationships" xmlns:p="http://schemas.openxmlformats.org/presentationml/2006/main">
+  <p:cSld>
+    <p:spTree>
+      <p:nvGrpSpPr>
+        <p:cNvPr id="1" name=""/>
+        <p:cNvGrpSpPr/>
+        <p:nvPr/>
+      </p:nvGrpSpPr>
+      <p:grpSpPr>
+        <a:xfrm>
+          <a:off x="0" y="0"/>
+          <a:ext cx="0" cy="0"/>
+          <a:chOff x="0" y="0"/>
+          <a:chExt cx="0" cy="0"/>
+        </a:xfrm>
+      </p:grpSpPr>
+      <p:sp>
+        <p:nvSpPr>
+          <p:cNvPr id="2" name="Title 1">
+            <a:extLst>
+              <a:ext uri="{FF2B5EF4-FFF2-40B4-BE49-F238E27FC236}">
+                <a16:creationId xmlns:a16="http://schemas.microsoft.com/office/drawing/2014/main" id="{C6466A7A-BAA9-4922-81DF-E958EDBA80CF}"/>
+              </a:ext>
+            </a:extLst>
+          </p:cNvPr>
+          <p:cNvSpPr>
+            <a:spLocks noGrp="1"/>
+          </p:cNvSpPr>
+          <p:nvPr>
+            <p:ph type="ctrTitle" idx="4294967295"/>
+          </p:nvPr>
+        </p:nvSpPr>
+        <p:spPr>
+          <a:xfrm>
+            <a:off x="2019869" y="191211"/>
+            <a:ext cx="8361363" cy="817563"/>
+          </a:xfrm>
+        </p:spPr>
+        <p:txBody>
+          <a:bodyPr>
+            <a:noAutofit/>
+          </a:bodyPr>
+          <a:lstStyle/>
+          <a:p>
+            <a:pPr algn="ctr"/>
+            <a:r>
+              <a:rPr lang="en-US" sz="2800" dirty="0"/>
+              <a:t>LETS DEVELOP SOME EVIL TOOLS. YAY! BUT LETS FIRST REVISIT HOW COMPUTER WORKS!</a:t>
+            </a:r>
+          </a:p>
+        </p:txBody>
+      </p:sp>
+      <p:pic>
+        <p:nvPicPr>
+          <p:cNvPr id="1026" name="Picture 2" descr="Man Doing Boxing">
+            <a:extLst>
+              <a:ext uri="{FF2B5EF4-FFF2-40B4-BE49-F238E27FC236}">
+                <a16:creationId xmlns:a16="http://schemas.microsoft.com/office/drawing/2014/main" id="{FD1B6CE9-ECD8-470E-A970-28D0EAC1D7F9}"/>
+              </a:ext>
+            </a:extLst>
+          </p:cNvPr>
+          <p:cNvPicPr>
+            <a:picLocks noChangeAspect="1" noChangeArrowheads="1"/>
+          </p:cNvPicPr>
+          <p:nvPr/>
+        </p:nvPicPr>
+        <p:blipFill>
+          <a:blip r:embed="rId2">
+            <a:extLst>
+              <a:ext uri="{28A0092B-C50C-407E-A947-70E740481C1C}">
+                <a14:useLocalDpi xmlns:a14="http://schemas.microsoft.com/office/drawing/2010/main" val="0"/>
+              </a:ext>
+            </a:extLst>
+          </a:blip>
+          <a:srcRect/>
+          <a:stretch>
+            <a:fillRect/>
+          </a:stretch>
+        </p:blipFill>
+        <p:spPr bwMode="auto">
+          <a:xfrm>
+            <a:off x="2638425" y="1604577"/>
+            <a:ext cx="6915150" cy="3648845"/>
+          </a:xfrm>
+          <a:prstGeom prst="rect">
+            <a:avLst/>
+          </a:prstGeom>
+          <a:noFill/>
+          <a:extLst>
+            <a:ext uri="{909E8E84-426E-40DD-AFC4-6F175D3DCCD1}">
+              <a14:hiddenFill xmlns:a14="http://schemas.microsoft.com/office/drawing/2010/main">
+                <a:solidFill>
+                  <a:srgbClr val="FFFFFF"/>
+                </a:solidFill>
+              </a14:hiddenFill>
+            </a:ext>
+          </a:extLst>
+        </p:spPr>
+      </p:pic>
+    </p:spTree>
+    <p:extLst>
+      <p:ext uri="{BB962C8B-B14F-4D97-AF65-F5344CB8AC3E}">
+        <p14:creationId xmlns:p14="http://schemas.microsoft.com/office/powerpoint/2010/main" val="2974906568"/>
+      </p:ext>
+    </p:extLst>
+  </p:cSld>
+  <p:clrMapOvr>
+    <a:masterClrMapping/>
+  </p:clrMapOvr>
+  <mc:AlternateContent xmlns:mc="http://schemas.openxmlformats.org/markup-compatibility/2006" xmlns:p14="http://schemas.microsoft.com/office/powerpoint/2010/main">
+    <mc:Choice Requires="p14">
+      <p:transition spd="slow" p14:dur="1250">
+        <p14:flip dir="r"/>
+      </p:transition>
+    </mc:Choice>
+    <mc:Fallback xmlns="">
+      <p:transition spd="slow">
+        <p:fade/>
+      </p:transition>
+    </mc:Fallback>
+  </mc:AlternateContent>
+</p:sld>
+</file>
+
+<file path=ppt/slides/slide3.xml><?xml version="1.0" encoding="utf-8"?>
+<p:sld xmlns:a="http://schemas.openxmlformats.org/drawingml/2006/main" xmlns:r="http://schemas.openxmlformats.org/officeDocument/2006/relationships" xmlns:p="http://schemas.openxmlformats.org/presentationml/2006/main">
+  <p:cSld>
+    <p:spTree>
+      <p:nvGrpSpPr>
+        <p:cNvPr id="1" name=""/>
+        <p:cNvGrpSpPr/>
+        <p:nvPr/>
+      </p:nvGrpSpPr>
+      <p:grpSpPr>
+        <a:xfrm>
+          <a:off x="0" y="0"/>
+          <a:ext cx="0" cy="0"/>
+          <a:chOff x="0" y="0"/>
+          <a:chExt cx="0" cy="0"/>
+        </a:xfrm>
+      </p:grpSpPr>
+      <p:sp>
+        <p:nvSpPr>
+          <p:cNvPr id="2" name="Title 1">
+            <a:extLst>
+              <a:ext uri="{FF2B5EF4-FFF2-40B4-BE49-F238E27FC236}">
+                <a16:creationId xmlns:a16="http://schemas.microsoft.com/office/drawing/2014/main" id="{C6466A7A-BAA9-4922-81DF-E958EDBA80CF}"/>
+              </a:ext>
+            </a:extLst>
+          </p:cNvPr>
+          <p:cNvSpPr>
+            <a:spLocks noGrp="1"/>
+          </p:cNvSpPr>
+          <p:nvPr>
+            <p:ph type="title"/>
+          </p:nvPr>
+        </p:nvSpPr>
+        <p:spPr/>
+        <p:txBody>
+          <a:bodyPr>
+            <a:normAutofit fontScale="90000"/>
+          </a:bodyPr>
+          <a:lstStyle/>
+          <a:p>
+            <a:pPr algn="ctr"/>
+            <a:r>
+              <a:rPr lang="en-US" sz="4400" dirty="0"/>
+              <a:t>HOW COMPUTER WORKS </a:t>
+            </a:r>
+            <a:br>
+              <a:rPr lang="en-US" sz="4400" dirty="0"/>
+            </a:br>
+            <a:r>
+              <a:rPr lang="en-US" sz="3100" b="1" i="1" u="sng" dirty="0"/>
+              <a:t>Windows perspective</a:t>
+            </a:r>
+          </a:p>
+        </p:txBody>
+      </p:sp>
+      <p:sp>
+        <p:nvSpPr>
+          <p:cNvPr id="3" name="Subtitle 2">
+            <a:extLst>
+              <a:ext uri="{FF2B5EF4-FFF2-40B4-BE49-F238E27FC236}">
+                <a16:creationId xmlns:a16="http://schemas.microsoft.com/office/drawing/2014/main" id="{E536BDF3-8BC3-4705-A0E0-23EED5878F87}"/>
+              </a:ext>
+            </a:extLst>
+          </p:cNvPr>
+          <p:cNvSpPr>
+            <a:spLocks noGrp="1"/>
+          </p:cNvSpPr>
+          <p:nvPr>
+            <p:ph idx="1"/>
+          </p:nvPr>
+        </p:nvSpPr>
+        <p:spPr/>
+        <p:txBody>
+          <a:bodyPr>
+            <a:normAutofit/>
+          </a:bodyPr>
+          <a:lstStyle/>
+          <a:p>
+            <a:pPr algn="l"/>
+            <a:endParaRPr lang="en-US" sz="1400" dirty="0">
+              <a:latin typeface="Tahoma" panose="020B0604030504040204" pitchFamily="34" charset="0"/>
+              <a:ea typeface="Tahoma" panose="020B0604030504040204" pitchFamily="34" charset="0"/>
+              <a:cs typeface="Tahoma" panose="020B0604030504040204" pitchFamily="34" charset="0"/>
+            </a:endParaRPr>
+          </a:p>
+          <a:p>
+            <a:pPr marL="457200" indent="-457200" algn="l">
+              <a:buFont typeface="Arial" panose="020B0604020202020204" pitchFamily="34" charset="0"/>
+              <a:buChar char="•"/>
+            </a:pPr>
+            <a:endParaRPr lang="en-US" sz="4300" dirty="0">
+              <a:solidFill>
+                <a:schemeClr val="tx2"/>
+              </a:solidFill>
+              <a:latin typeface="Tahoma" panose="020B0604030504040204" pitchFamily="34" charset="0"/>
+              <a:ea typeface="Tahoma" panose="020B0604030504040204" pitchFamily="34" charset="0"/>
+              <a:cs typeface="Tahoma" panose="020B0604030504040204" pitchFamily="34" charset="0"/>
+            </a:endParaRPr>
+          </a:p>
+          <a:p>
+            <a:pPr algn="l"/>
+            <a:endParaRPr lang="en-US" sz="2000" dirty="0">
+              <a:solidFill>
+                <a:schemeClr val="tx2"/>
+              </a:solidFill>
+              <a:latin typeface="Tahoma" panose="020B0604030504040204" pitchFamily="34" charset="0"/>
+              <a:ea typeface="Tahoma" panose="020B0604030504040204" pitchFamily="34" charset="0"/>
+              <a:cs typeface="Tahoma" panose="020B0604030504040204" pitchFamily="34" charset="0"/>
+            </a:endParaRPr>
+          </a:p>
+        </p:txBody>
+      </p:sp>
+      <p:sp>
+        <p:nvSpPr>
+          <p:cNvPr id="5" name="Text Placeholder 4">
+            <a:extLst>
+              <a:ext uri="{FF2B5EF4-FFF2-40B4-BE49-F238E27FC236}">
+                <a16:creationId xmlns:a16="http://schemas.microsoft.com/office/drawing/2014/main" id="{1B31B724-27BA-4AE0-A6F9-B0434458A9E0}"/>
+              </a:ext>
+            </a:extLst>
+          </p:cNvPr>
+          <p:cNvSpPr>
+            <a:spLocks noGrp="1"/>
+          </p:cNvSpPr>
+          <p:nvPr>
+            <p:ph type="body" sz="half" idx="2"/>
+          </p:nvPr>
+        </p:nvSpPr>
+        <p:spPr/>
+        <p:txBody>
+          <a:bodyPr>
+            <a:normAutofit/>
+          </a:bodyPr>
+          <a:lstStyle/>
+          <a:p>
+            <a:r>
+              <a:rPr lang="en-US" dirty="0"/>
+              <a:t>Q &gt; I encourage the reading to figure out how typing something in notepad actually gets displayed on the screen?</a:t>
+            </a:r>
+          </a:p>
+          <a:p>
+            <a:endParaRPr lang="en-US" dirty="0"/>
+          </a:p>
+          <a:p>
+            <a:r>
+              <a:rPr lang="en-US" dirty="0"/>
+              <a:t>BRAVE ARE THOSE WHO COULD MAKE IT THIS FAR! Soon we’ll start Windows kernel development.</a:t>
+            </a:r>
+          </a:p>
+        </p:txBody>
+      </p:sp>
+      <p:graphicFrame>
+        <p:nvGraphicFramePr>
+          <p:cNvPr id="4" name="Diagram 3">
+            <a:extLst>
+              <a:ext uri="{FF2B5EF4-FFF2-40B4-BE49-F238E27FC236}">
+                <a16:creationId xmlns:a16="http://schemas.microsoft.com/office/drawing/2014/main" id="{7D46BD5A-8D42-4555-AA2F-11FEC94FD57C}"/>
+              </a:ext>
+            </a:extLst>
+          </p:cNvPr>
+          <p:cNvGraphicFramePr/>
+          <p:nvPr>
+            <p:extLst>
+              <p:ext uri="{D42A27DB-BD31-4B8C-83A1-F6EECF244321}">
+                <p14:modId xmlns:p14="http://schemas.microsoft.com/office/powerpoint/2010/main" val="2469921217"/>
+              </p:ext>
+            </p:extLst>
+          </p:nvPr>
+        </p:nvGraphicFramePr>
+        <p:xfrm>
+          <a:off x="4370118" y="1"/>
+          <a:ext cx="7821882" cy="6721434"/>
+        </p:xfrm>
+        <a:graphic>
+          <a:graphicData uri="http://schemas.openxmlformats.org/drawingml/2006/diagram">
+            <dgm:relIds xmlns:dgm="http://schemas.openxmlformats.org/drawingml/2006/diagram" xmlns:r="http://schemas.openxmlformats.org/officeDocument/2006/relationships" r:dm="rId3" r:lo="rId4" r:qs="rId5" r:cs="rId6"/>
+          </a:graphicData>
+        </a:graphic>
+      </p:graphicFrame>
+    </p:spTree>
+    <p:extLst>
+      <p:ext uri="{BB962C8B-B14F-4D97-AF65-F5344CB8AC3E}">
+        <p14:creationId xmlns:p14="http://schemas.microsoft.com/office/powerpoint/2010/main" val="3394874678"/>
+      </p:ext>
+    </p:extLst>
+  </p:cSld>
+  <p:clrMapOvr>
+    <a:masterClrMapping/>
+  </p:clrMapOvr>
+  <mc:AlternateContent xmlns:mc="http://schemas.openxmlformats.org/markup-compatibility/2006" xmlns:p14="http://schemas.microsoft.com/office/powerpoint/2010/main">
+    <mc:Choice Requires="p14">
+      <p:transition spd="slow" p14:dur="1250">
+        <p14:flip dir="r"/>
+      </p:transition>
+    </mc:Choice>
+    <mc:Fallback xmlns="">
+      <p:transition spd="slow">
+        <p:fade/>
+      </p:transition>
+    </mc:Fallback>
+  </mc:AlternateContent>
+</p:sld>
+</file>
+
+<file path=ppt/slides/slide4.xml><?xml version="1.0" encoding="utf-8"?>
+<p:sld xmlns:a="http://schemas.openxmlformats.org/drawingml/2006/main" xmlns:r="http://schemas.openxmlformats.org/officeDocument/2006/relationships" xmlns:p="http://schemas.openxmlformats.org/presentationml/2006/main">
+  <p:cSld>
+    <p:spTree>
+      <p:nvGrpSpPr>
+        <p:cNvPr id="1" name=""/>
+        <p:cNvGrpSpPr/>
+        <p:nvPr/>
+      </p:nvGrpSpPr>
+      <p:grpSpPr>
+        <a:xfrm>
+          <a:off x="0" y="0"/>
+          <a:ext cx="0" cy="0"/>
+          <a:chOff x="0" y="0"/>
+          <a:chExt cx="0" cy="0"/>
+        </a:xfrm>
+      </p:grpSpPr>
+      <p:sp>
+        <p:nvSpPr>
+          <p:cNvPr id="2" name="Title 1">
+            <a:extLst>
+              <a:ext uri="{FF2B5EF4-FFF2-40B4-BE49-F238E27FC236}">
+                <a16:creationId xmlns:a16="http://schemas.microsoft.com/office/drawing/2014/main" id="{C6466A7A-BAA9-4922-81DF-E958EDBA80CF}"/>
+              </a:ext>
+            </a:extLst>
+          </p:cNvPr>
+          <p:cNvSpPr>
+            <a:spLocks noGrp="1"/>
+          </p:cNvSpPr>
+          <p:nvPr>
+            <p:ph type="title"/>
+          </p:nvPr>
+        </p:nvSpPr>
+        <p:spPr/>
+        <p:txBody>
+          <a:bodyPr>
+            <a:normAutofit/>
+          </a:bodyPr>
+          <a:lstStyle/>
+          <a:p>
+            <a:pPr algn="ctr"/>
+            <a:r>
+              <a:rPr lang="en-US" sz="4400" dirty="0"/>
+              <a:t>WIN32 CONSOLE PROGRAMMING</a:t>
+            </a:r>
+          </a:p>
+        </p:txBody>
+      </p:sp>
+      <p:sp>
+        <p:nvSpPr>
+          <p:cNvPr id="11" name="Content Placeholder 10">
+            <a:extLst>
+              <a:ext uri="{FF2B5EF4-FFF2-40B4-BE49-F238E27FC236}">
+                <a16:creationId xmlns:a16="http://schemas.microsoft.com/office/drawing/2014/main" id="{9E75B7E5-D0AC-4201-B545-B518EE07D4D4}"/>
+              </a:ext>
+            </a:extLst>
+          </p:cNvPr>
+          <p:cNvSpPr>
+            <a:spLocks noGrp="1"/>
+          </p:cNvSpPr>
+          <p:nvPr>
+            <p:ph idx="1"/>
+          </p:nvPr>
+        </p:nvSpPr>
+        <p:spPr/>
+        <p:txBody>
+          <a:bodyPr/>
+          <a:lstStyle/>
+          <a:p>
+            <a:r>
+              <a:rPr lang="en-US" dirty="0"/>
+              <a:t>Using </a:t>
+            </a:r>
+            <a:r>
+              <a:rPr lang="en-US" dirty="0" err="1"/>
+              <a:t>WinAPI</a:t>
+            </a:r>
+            <a:r>
+              <a:rPr lang="en-US" dirty="0"/>
+              <a:t> (functions) to interact with OS </a:t>
+            </a:r>
+          </a:p>
+          <a:p>
+            <a:pPr lvl="1"/>
+            <a:r>
+              <a:rPr lang="en-US" dirty="0" err="1"/>
+              <a:t>WriteConsoleA</a:t>
+            </a:r>
+            <a:r>
+              <a:rPr lang="en-US" dirty="0"/>
+              <a:t> or </a:t>
+            </a:r>
+            <a:r>
+              <a:rPr lang="en-US" dirty="0" err="1"/>
+              <a:t>WriteConsoleW</a:t>
+            </a:r>
+            <a:r>
+              <a:rPr lang="en-US" dirty="0"/>
+              <a:t> are some </a:t>
+            </a:r>
+            <a:r>
+              <a:rPr lang="en-US" dirty="0" err="1"/>
+              <a:t>WinAPIs</a:t>
+            </a:r>
+            <a:r>
+              <a:rPr lang="en-US" dirty="0"/>
+              <a:t> which can output to a console.</a:t>
+            </a:r>
+          </a:p>
+          <a:p>
+            <a:r>
+              <a:rPr lang="en-US" dirty="0"/>
+              <a:t>Windows support both ASCII and Unicode character-set. So we might see APIs with A/W suffix.</a:t>
+            </a:r>
+          </a:p>
+          <a:p>
+            <a:r>
+              <a:rPr lang="en-US" dirty="0"/>
+              <a:t>Var1 BYTE ? 	//This can contain 0 to 255 (ASCII)</a:t>
+            </a:r>
+          </a:p>
+          <a:p>
+            <a:r>
+              <a:rPr lang="en-US" dirty="0"/>
+              <a:t>Var2 WORD ? 	//This can contain 0 to 65,535 (Unicode)</a:t>
+            </a:r>
+          </a:p>
+        </p:txBody>
+      </p:sp>
+    </p:spTree>
+    <p:extLst>
+      <p:ext uri="{BB962C8B-B14F-4D97-AF65-F5344CB8AC3E}">
+        <p14:creationId xmlns:p14="http://schemas.microsoft.com/office/powerpoint/2010/main" val="1514386346"/>
+      </p:ext>
+    </p:extLst>
+  </p:cSld>
+  <p:clrMapOvr>
+    <a:masterClrMapping/>
+  </p:clrMapOvr>
+  <mc:AlternateContent xmlns:mc="http://schemas.openxmlformats.org/markup-compatibility/2006" xmlns:p14="http://schemas.microsoft.com/office/powerpoint/2010/main">
+    <mc:Choice Requires="p14">
+      <p:transition spd="slow" p14:dur="1250">
+        <p14:flip dir="r"/>
+      </p:transition>
+    </mc:Choice>
+    <mc:Fallback xmlns="">
+      <p:transition spd="slow">
+        <p:fade/>
+      </p:transition>
+    </mc:Fallback>
+  </mc:AlternateContent>
+</p:sld>
+</file>
+
+<file path=ppt/slides/slide5.xml><?xml version="1.0" encoding="utf-8"?>
 <p:sld xmlns:a="http://schemas.openxmlformats.org/drawingml/2006/main" xmlns:r="http://schemas.openxmlformats.org/officeDocument/2006/relationships" xmlns:p="http://schemas.openxmlformats.org/presentationml/2006/main">
   <p:cSld>
     <p:spTree>
